--- a/presentations/proposal.pptx
+++ b/presentations/proposal.pptx
@@ -4,14 +4,21 @@
   <p:sldMasterIdLst>
     <p:sldMasterId id="2147483648" r:id="rId1"/>
   </p:sldMasterIdLst>
+  <p:notesMasterIdLst>
+    <p:notesMasterId r:id="rId13"/>
+  </p:notesMasterIdLst>
   <p:sldIdLst>
     <p:sldId id="256" r:id="rId2"/>
     <p:sldId id="257" r:id="rId3"/>
-    <p:sldId id="259" r:id="rId4"/>
-    <p:sldId id="264" r:id="rId5"/>
-    <p:sldId id="261" r:id="rId6"/>
-    <p:sldId id="262" r:id="rId7"/>
-    <p:sldId id="263" r:id="rId8"/>
+    <p:sldId id="266" r:id="rId4"/>
+    <p:sldId id="259" r:id="rId5"/>
+    <p:sldId id="267" r:id="rId6"/>
+    <p:sldId id="268" r:id="rId7"/>
+    <p:sldId id="264" r:id="rId8"/>
+    <p:sldId id="261" r:id="rId9"/>
+    <p:sldId id="262" r:id="rId10"/>
+    <p:sldId id="263" r:id="rId11"/>
+    <p:sldId id="265" r:id="rId12"/>
   </p:sldIdLst>
   <p:sldSz cx="9144000" cy="6858000" type="screen4x3"/>
   <p:notesSz cx="6858000" cy="9144000"/>
@@ -113,6 +120,729 @@
 </p:presentation>
 </file>
 
+<file path=ppt/notesMasters/notesMaster1.xml><?xml version="1.0" encoding="utf-8"?>
+<p:notesMaster xmlns:a="http://schemas.openxmlformats.org/drawingml/2006/main" xmlns:r="http://schemas.openxmlformats.org/officeDocument/2006/relationships" xmlns:p="http://schemas.openxmlformats.org/presentationml/2006/main">
+  <p:cSld>
+    <p:bg>
+      <p:bgRef idx="1001">
+        <a:schemeClr val="bg1"/>
+      </p:bgRef>
+    </p:bg>
+    <p:spTree>
+      <p:nvGrpSpPr>
+        <p:cNvPr id="1" name=""/>
+        <p:cNvGrpSpPr/>
+        <p:nvPr/>
+      </p:nvGrpSpPr>
+      <p:grpSpPr>
+        <a:xfrm>
+          <a:off x="0" y="0"/>
+          <a:ext cx="0" cy="0"/>
+          <a:chOff x="0" y="0"/>
+          <a:chExt cx="0" cy="0"/>
+        </a:xfrm>
+      </p:grpSpPr>
+      <p:sp>
+        <p:nvSpPr>
+          <p:cNvPr id="2" name="Header Placeholder 1"/>
+          <p:cNvSpPr>
+            <a:spLocks noGrp="1"/>
+          </p:cNvSpPr>
+          <p:nvPr>
+            <p:ph type="hdr" sz="quarter"/>
+          </p:nvPr>
+        </p:nvSpPr>
+        <p:spPr>
+          <a:xfrm>
+            <a:off x="0" y="0"/>
+            <a:ext cx="2971800" cy="457200"/>
+          </a:xfrm>
+          <a:prstGeom prst="rect">
+            <a:avLst/>
+          </a:prstGeom>
+        </p:spPr>
+        <p:txBody>
+          <a:bodyPr vert="horz" lIns="91440" tIns="45720" rIns="91440" bIns="45720" rtlCol="0"/>
+          <a:lstStyle>
+            <a:lvl1pPr algn="l">
+              <a:defRPr sz="1200"/>
+            </a:lvl1pPr>
+          </a:lstStyle>
+          <a:p>
+            <a:endParaRPr lang="en-US"/>
+          </a:p>
+        </p:txBody>
+      </p:sp>
+      <p:sp>
+        <p:nvSpPr>
+          <p:cNvPr id="3" name="Date Placeholder 2"/>
+          <p:cNvSpPr>
+            <a:spLocks noGrp="1"/>
+          </p:cNvSpPr>
+          <p:nvPr>
+            <p:ph type="dt" idx="1"/>
+          </p:nvPr>
+        </p:nvSpPr>
+        <p:spPr>
+          <a:xfrm>
+            <a:off x="3884613" y="0"/>
+            <a:ext cx="2971800" cy="457200"/>
+          </a:xfrm>
+          <a:prstGeom prst="rect">
+            <a:avLst/>
+          </a:prstGeom>
+        </p:spPr>
+        <p:txBody>
+          <a:bodyPr vert="horz" lIns="91440" tIns="45720" rIns="91440" bIns="45720" rtlCol="0"/>
+          <a:lstStyle>
+            <a:lvl1pPr algn="r">
+              <a:defRPr sz="1200"/>
+            </a:lvl1pPr>
+          </a:lstStyle>
+          <a:p>
+            <a:fld id="{9CAAEC4D-3F94-9C4C-8C1A-407AA1D43D2C}" type="datetimeFigureOut">
+              <a:rPr lang="en-US" smtClean="0"/>
+              <a:t>10/21/14</a:t>
+            </a:fld>
+            <a:endParaRPr lang="en-US"/>
+          </a:p>
+        </p:txBody>
+      </p:sp>
+      <p:sp>
+        <p:nvSpPr>
+          <p:cNvPr id="4" name="Slide Image Placeholder 3"/>
+          <p:cNvSpPr>
+            <a:spLocks noGrp="1" noRot="1" noChangeAspect="1"/>
+          </p:cNvSpPr>
+          <p:nvPr>
+            <p:ph type="sldImg" idx="2"/>
+          </p:nvPr>
+        </p:nvSpPr>
+        <p:spPr>
+          <a:xfrm>
+            <a:off x="1143000" y="685800"/>
+            <a:ext cx="4572000" cy="3429000"/>
+          </a:xfrm>
+          <a:prstGeom prst="rect">
+            <a:avLst/>
+          </a:prstGeom>
+          <a:noFill/>
+          <a:ln w="12700">
+            <a:solidFill>
+              <a:prstClr val="black"/>
+            </a:solidFill>
+          </a:ln>
+        </p:spPr>
+        <p:txBody>
+          <a:bodyPr vert="horz" lIns="91440" tIns="45720" rIns="91440" bIns="45720" rtlCol="0" anchor="ctr"/>
+          <a:lstStyle/>
+          <a:p>
+            <a:endParaRPr lang="en-US"/>
+          </a:p>
+        </p:txBody>
+      </p:sp>
+      <p:sp>
+        <p:nvSpPr>
+          <p:cNvPr id="5" name="Notes Placeholder 4"/>
+          <p:cNvSpPr>
+            <a:spLocks noGrp="1"/>
+          </p:cNvSpPr>
+          <p:nvPr>
+            <p:ph type="body" sz="quarter" idx="3"/>
+          </p:nvPr>
+        </p:nvSpPr>
+        <p:spPr>
+          <a:xfrm>
+            <a:off x="685800" y="4343400"/>
+            <a:ext cx="5486400" cy="4114800"/>
+          </a:xfrm>
+          <a:prstGeom prst="rect">
+            <a:avLst/>
+          </a:prstGeom>
+        </p:spPr>
+        <p:txBody>
+          <a:bodyPr vert="horz" lIns="91440" tIns="45720" rIns="91440" bIns="45720" rtlCol="0"/>
+          <a:lstStyle/>
+          <a:p>
+            <a:pPr lvl="0"/>
+            <a:r>
+              <a:rPr lang="en-US" smtClean="0"/>
+              <a:t>Click to edit Master text styles</a:t>
+            </a:r>
+          </a:p>
+          <a:p>
+            <a:pPr lvl="1"/>
+            <a:r>
+              <a:rPr lang="en-US" smtClean="0"/>
+              <a:t>Second level</a:t>
+            </a:r>
+          </a:p>
+          <a:p>
+            <a:pPr lvl="2"/>
+            <a:r>
+              <a:rPr lang="en-US" smtClean="0"/>
+              <a:t>Third level</a:t>
+            </a:r>
+          </a:p>
+          <a:p>
+            <a:pPr lvl="3"/>
+            <a:r>
+              <a:rPr lang="en-US" smtClean="0"/>
+              <a:t>Fourth level</a:t>
+            </a:r>
+          </a:p>
+          <a:p>
+            <a:pPr lvl="4"/>
+            <a:r>
+              <a:rPr lang="en-US" smtClean="0"/>
+              <a:t>Fifth level</a:t>
+            </a:r>
+            <a:endParaRPr lang="en-US"/>
+          </a:p>
+        </p:txBody>
+      </p:sp>
+      <p:sp>
+        <p:nvSpPr>
+          <p:cNvPr id="6" name="Footer Placeholder 5"/>
+          <p:cNvSpPr>
+            <a:spLocks noGrp="1"/>
+          </p:cNvSpPr>
+          <p:nvPr>
+            <p:ph type="ftr" sz="quarter" idx="4"/>
+          </p:nvPr>
+        </p:nvSpPr>
+        <p:spPr>
+          <a:xfrm>
+            <a:off x="0" y="8685213"/>
+            <a:ext cx="2971800" cy="457200"/>
+          </a:xfrm>
+          <a:prstGeom prst="rect">
+            <a:avLst/>
+          </a:prstGeom>
+        </p:spPr>
+        <p:txBody>
+          <a:bodyPr vert="horz" lIns="91440" tIns="45720" rIns="91440" bIns="45720" rtlCol="0" anchor="b"/>
+          <a:lstStyle>
+            <a:lvl1pPr algn="l">
+              <a:defRPr sz="1200"/>
+            </a:lvl1pPr>
+          </a:lstStyle>
+          <a:p>
+            <a:endParaRPr lang="en-US"/>
+          </a:p>
+        </p:txBody>
+      </p:sp>
+      <p:sp>
+        <p:nvSpPr>
+          <p:cNvPr id="7" name="Slide Number Placeholder 6"/>
+          <p:cNvSpPr>
+            <a:spLocks noGrp="1"/>
+          </p:cNvSpPr>
+          <p:nvPr>
+            <p:ph type="sldNum" sz="quarter" idx="5"/>
+          </p:nvPr>
+        </p:nvSpPr>
+        <p:spPr>
+          <a:xfrm>
+            <a:off x="3884613" y="8685213"/>
+            <a:ext cx="2971800" cy="457200"/>
+          </a:xfrm>
+          <a:prstGeom prst="rect">
+            <a:avLst/>
+          </a:prstGeom>
+        </p:spPr>
+        <p:txBody>
+          <a:bodyPr vert="horz" lIns="91440" tIns="45720" rIns="91440" bIns="45720" rtlCol="0" anchor="b"/>
+          <a:lstStyle>
+            <a:lvl1pPr algn="r">
+              <a:defRPr sz="1200"/>
+            </a:lvl1pPr>
+          </a:lstStyle>
+          <a:p>
+            <a:fld id="{1816B7AE-A9D1-4F45-AA7C-31B94AAFC4DD}" type="slidenum">
+              <a:rPr lang="en-US" smtClean="0"/>
+              <a:t>‹#›</a:t>
+            </a:fld>
+            <a:endParaRPr lang="en-US"/>
+          </a:p>
+        </p:txBody>
+      </p:sp>
+    </p:spTree>
+    <p:extLst>
+      <p:ext uri="{BB962C8B-B14F-4D97-AF65-F5344CB8AC3E}">
+        <p14:creationId xmlns:p14="http://schemas.microsoft.com/office/powerpoint/2010/main" val="842629241"/>
+      </p:ext>
+    </p:extLst>
+  </p:cSld>
+  <p:clrMap bg1="lt1" tx1="dk1" bg2="lt2" tx2="dk2" accent1="accent1" accent2="accent2" accent3="accent3" accent4="accent4" accent5="accent5" accent6="accent6" hlink="hlink" folHlink="folHlink"/>
+  <p:notesStyle>
+    <a:lvl1pPr marL="0" algn="l" defTabSz="457200" rtl="0" eaLnBrk="1" latinLnBrk="0" hangingPunct="1">
+      <a:defRPr sz="1200" kern="1200">
+        <a:solidFill>
+          <a:schemeClr val="tx1"/>
+        </a:solidFill>
+        <a:latin typeface="+mn-lt"/>
+        <a:ea typeface="+mn-ea"/>
+        <a:cs typeface="+mn-cs"/>
+      </a:defRPr>
+    </a:lvl1pPr>
+    <a:lvl2pPr marL="457200" algn="l" defTabSz="457200" rtl="0" eaLnBrk="1" latinLnBrk="0" hangingPunct="1">
+      <a:defRPr sz="1200" kern="1200">
+        <a:solidFill>
+          <a:schemeClr val="tx1"/>
+        </a:solidFill>
+        <a:latin typeface="+mn-lt"/>
+        <a:ea typeface="+mn-ea"/>
+        <a:cs typeface="+mn-cs"/>
+      </a:defRPr>
+    </a:lvl2pPr>
+    <a:lvl3pPr marL="914400" algn="l" defTabSz="457200" rtl="0" eaLnBrk="1" latinLnBrk="0" hangingPunct="1">
+      <a:defRPr sz="1200" kern="1200">
+        <a:solidFill>
+          <a:schemeClr val="tx1"/>
+        </a:solidFill>
+        <a:latin typeface="+mn-lt"/>
+        <a:ea typeface="+mn-ea"/>
+        <a:cs typeface="+mn-cs"/>
+      </a:defRPr>
+    </a:lvl3pPr>
+    <a:lvl4pPr marL="1371600" algn="l" defTabSz="457200" rtl="0" eaLnBrk="1" latinLnBrk="0" hangingPunct="1">
+      <a:defRPr sz="1200" kern="1200">
+        <a:solidFill>
+          <a:schemeClr val="tx1"/>
+        </a:solidFill>
+        <a:latin typeface="+mn-lt"/>
+        <a:ea typeface="+mn-ea"/>
+        <a:cs typeface="+mn-cs"/>
+      </a:defRPr>
+    </a:lvl4pPr>
+    <a:lvl5pPr marL="1828800" algn="l" defTabSz="457200" rtl="0" eaLnBrk="1" latinLnBrk="0" hangingPunct="1">
+      <a:defRPr sz="1200" kern="1200">
+        <a:solidFill>
+          <a:schemeClr val="tx1"/>
+        </a:solidFill>
+        <a:latin typeface="+mn-lt"/>
+        <a:ea typeface="+mn-ea"/>
+        <a:cs typeface="+mn-cs"/>
+      </a:defRPr>
+    </a:lvl5pPr>
+    <a:lvl6pPr marL="2286000" algn="l" defTabSz="457200" rtl="0" eaLnBrk="1" latinLnBrk="0" hangingPunct="1">
+      <a:defRPr sz="1200" kern="1200">
+        <a:solidFill>
+          <a:schemeClr val="tx1"/>
+        </a:solidFill>
+        <a:latin typeface="+mn-lt"/>
+        <a:ea typeface="+mn-ea"/>
+        <a:cs typeface="+mn-cs"/>
+      </a:defRPr>
+    </a:lvl6pPr>
+    <a:lvl7pPr marL="2743200" algn="l" defTabSz="457200" rtl="0" eaLnBrk="1" latinLnBrk="0" hangingPunct="1">
+      <a:defRPr sz="1200" kern="1200">
+        <a:solidFill>
+          <a:schemeClr val="tx1"/>
+        </a:solidFill>
+        <a:latin typeface="+mn-lt"/>
+        <a:ea typeface="+mn-ea"/>
+        <a:cs typeface="+mn-cs"/>
+      </a:defRPr>
+    </a:lvl7pPr>
+    <a:lvl8pPr marL="3200400" algn="l" defTabSz="457200" rtl="0" eaLnBrk="1" latinLnBrk="0" hangingPunct="1">
+      <a:defRPr sz="1200" kern="1200">
+        <a:solidFill>
+          <a:schemeClr val="tx1"/>
+        </a:solidFill>
+        <a:latin typeface="+mn-lt"/>
+        <a:ea typeface="+mn-ea"/>
+        <a:cs typeface="+mn-cs"/>
+      </a:defRPr>
+    </a:lvl8pPr>
+    <a:lvl9pPr marL="3657600" algn="l" defTabSz="457200" rtl="0" eaLnBrk="1" latinLnBrk="0" hangingPunct="1">
+      <a:defRPr sz="1200" kern="1200">
+        <a:solidFill>
+          <a:schemeClr val="tx1"/>
+        </a:solidFill>
+        <a:latin typeface="+mn-lt"/>
+        <a:ea typeface="+mn-ea"/>
+        <a:cs typeface="+mn-cs"/>
+      </a:defRPr>
+    </a:lvl9pPr>
+  </p:notesStyle>
+</p:notesMaster>
+</file>
+
+<file path=ppt/notesSlides/notesSlide1.xml><?xml version="1.0" encoding="utf-8"?>
+<p:notes xmlns:a="http://schemas.openxmlformats.org/drawingml/2006/main" xmlns:r="http://schemas.openxmlformats.org/officeDocument/2006/relationships" xmlns:p="http://schemas.openxmlformats.org/presentationml/2006/main">
+  <p:cSld>
+    <p:spTree>
+      <p:nvGrpSpPr>
+        <p:cNvPr id="1" name=""/>
+        <p:cNvGrpSpPr/>
+        <p:nvPr/>
+      </p:nvGrpSpPr>
+      <p:grpSpPr>
+        <a:xfrm>
+          <a:off x="0" y="0"/>
+          <a:ext cx="0" cy="0"/>
+          <a:chOff x="0" y="0"/>
+          <a:chExt cx="0" cy="0"/>
+        </a:xfrm>
+      </p:grpSpPr>
+      <p:sp>
+        <p:nvSpPr>
+          <p:cNvPr id="2" name="Slide Image Placeholder 1"/>
+          <p:cNvSpPr>
+            <a:spLocks noGrp="1" noRot="1" noChangeAspect="1"/>
+          </p:cNvSpPr>
+          <p:nvPr>
+            <p:ph type="sldImg"/>
+          </p:nvPr>
+        </p:nvSpPr>
+        <p:spPr/>
+      </p:sp>
+      <p:sp>
+        <p:nvSpPr>
+          <p:cNvPr id="3" name="Notes Placeholder 2"/>
+          <p:cNvSpPr>
+            <a:spLocks noGrp="1"/>
+          </p:cNvSpPr>
+          <p:nvPr>
+            <p:ph type="body" idx="1"/>
+          </p:nvPr>
+        </p:nvSpPr>
+        <p:spPr/>
+        <p:txBody>
+          <a:bodyPr/>
+          <a:lstStyle/>
+          <a:p>
+            <a:r>
+              <a:rPr lang="en-US" dirty="0" smtClean="0"/>
+              <a:t>Automatic content generation for online social media:</a:t>
+            </a:r>
+          </a:p>
+          <a:p>
+            <a:pPr lvl="1"/>
+            <a:endParaRPr lang="en-US" dirty="0" smtClean="0"/>
+          </a:p>
+          <a:p>
+            <a:pPr lvl="1"/>
+            <a:r>
+              <a:rPr lang="en-US" dirty="0" smtClean="0"/>
+              <a:t>Bot and </a:t>
+            </a:r>
+            <a:r>
+              <a:rPr lang="en-US" dirty="0" err="1" smtClean="0"/>
+              <a:t>astroturfing</a:t>
+            </a:r>
+            <a:endParaRPr lang="en-US" dirty="0" smtClean="0"/>
+          </a:p>
+          <a:p>
+            <a:pPr lvl="1"/>
+            <a:r>
+              <a:rPr lang="en-US" dirty="0" smtClean="0"/>
+              <a:t>Spam</a:t>
+            </a:r>
+          </a:p>
+          <a:p>
+            <a:pPr lvl="1"/>
+            <a:r>
+              <a:rPr lang="en-US" dirty="0" smtClean="0"/>
+              <a:t>Unwanted marketing</a:t>
+            </a:r>
+          </a:p>
+          <a:p>
+            <a:pPr lvl="1"/>
+            <a:r>
+              <a:rPr lang="en-US" dirty="0" smtClean="0"/>
+              <a:t>Account purchase</a:t>
+            </a:r>
+          </a:p>
+          <a:p>
+            <a:r>
+              <a:rPr lang="en-US" dirty="0" smtClean="0"/>
+              <a:t>Misinformation</a:t>
+            </a:r>
+          </a:p>
+          <a:p>
+            <a:pPr lvl="1"/>
+            <a:endParaRPr lang="en-US" dirty="0"/>
+          </a:p>
+        </p:txBody>
+      </p:sp>
+      <p:sp>
+        <p:nvSpPr>
+          <p:cNvPr id="4" name="Slide Number Placeholder 3"/>
+          <p:cNvSpPr>
+            <a:spLocks noGrp="1"/>
+          </p:cNvSpPr>
+          <p:nvPr>
+            <p:ph type="sldNum" sz="quarter" idx="10"/>
+          </p:nvPr>
+        </p:nvSpPr>
+        <p:spPr/>
+        <p:txBody>
+          <a:bodyPr/>
+          <a:lstStyle/>
+          <a:p>
+            <a:fld id="{1816B7AE-A9D1-4F45-AA7C-31B94AAFC4DD}" type="slidenum">
+              <a:rPr lang="en-US" smtClean="0"/>
+              <a:t>2</a:t>
+            </a:fld>
+            <a:endParaRPr lang="en-US"/>
+          </a:p>
+        </p:txBody>
+      </p:sp>
+    </p:spTree>
+    <p:extLst>
+      <p:ext uri="{BB962C8B-B14F-4D97-AF65-F5344CB8AC3E}">
+        <p14:creationId xmlns:p14="http://schemas.microsoft.com/office/powerpoint/2010/main" val="2662010004"/>
+      </p:ext>
+    </p:extLst>
+  </p:cSld>
+  <p:clrMapOvr>
+    <a:masterClrMapping/>
+  </p:clrMapOvr>
+</p:notes>
+</file>
+
+<file path=ppt/notesSlides/notesSlide2.xml><?xml version="1.0" encoding="utf-8"?>
+<p:notes xmlns:a="http://schemas.openxmlformats.org/drawingml/2006/main" xmlns:r="http://schemas.openxmlformats.org/officeDocument/2006/relationships" xmlns:p="http://schemas.openxmlformats.org/presentationml/2006/main">
+  <p:cSld>
+    <p:spTree>
+      <p:nvGrpSpPr>
+        <p:cNvPr id="1" name=""/>
+        <p:cNvGrpSpPr/>
+        <p:nvPr/>
+      </p:nvGrpSpPr>
+      <p:grpSpPr>
+        <a:xfrm>
+          <a:off x="0" y="0"/>
+          <a:ext cx="0" cy="0"/>
+          <a:chOff x="0" y="0"/>
+          <a:chExt cx="0" cy="0"/>
+        </a:xfrm>
+      </p:grpSpPr>
+      <p:sp>
+        <p:nvSpPr>
+          <p:cNvPr id="2" name="Slide Image Placeholder 1"/>
+          <p:cNvSpPr>
+            <a:spLocks noGrp="1" noRot="1" noChangeAspect="1"/>
+          </p:cNvSpPr>
+          <p:nvPr>
+            <p:ph type="sldImg"/>
+          </p:nvPr>
+        </p:nvSpPr>
+        <p:spPr/>
+      </p:sp>
+      <p:sp>
+        <p:nvSpPr>
+          <p:cNvPr id="3" name="Notes Placeholder 2"/>
+          <p:cNvSpPr>
+            <a:spLocks noGrp="1"/>
+          </p:cNvSpPr>
+          <p:nvPr>
+            <p:ph type="body" idx="1"/>
+          </p:nvPr>
+        </p:nvSpPr>
+        <p:spPr/>
+        <p:txBody>
+          <a:bodyPr/>
+          <a:lstStyle/>
+          <a:p>
+            <a:r>
+              <a:rPr lang="en-US" dirty="0" smtClean="0"/>
+              <a:t>Twitter: as many as 23 millions accounts (8.3%)  have</a:t>
+            </a:r>
+            <a:r>
+              <a:rPr lang="en-US" baseline="0" dirty="0" smtClean="0"/>
+              <a:t> automated content our of 271 mill user</a:t>
+            </a:r>
+          </a:p>
+          <a:p>
+            <a:r>
+              <a:rPr lang="en-US" baseline="0" dirty="0" smtClean="0"/>
+              <a:t>According to twitter &lt; 5% MAU are spam</a:t>
+            </a:r>
+            <a:endParaRPr lang="en-US" dirty="0" smtClean="0"/>
+          </a:p>
+          <a:p>
+            <a:r>
+              <a:rPr lang="en-US" dirty="0" smtClean="0"/>
+              <a:t>Automatic content generation for online social media:</a:t>
+            </a:r>
+          </a:p>
+          <a:p>
+            <a:pPr lvl="1"/>
+            <a:r>
+              <a:rPr lang="en-US" dirty="0" smtClean="0"/>
+              <a:t>Bot and </a:t>
+            </a:r>
+            <a:r>
+              <a:rPr lang="en-US" dirty="0" err="1" smtClean="0"/>
+              <a:t>astroturfing</a:t>
+            </a:r>
+            <a:endParaRPr lang="en-US" dirty="0" smtClean="0"/>
+          </a:p>
+          <a:p>
+            <a:pPr lvl="1"/>
+            <a:r>
+              <a:rPr lang="en-US" dirty="0" smtClean="0"/>
+              <a:t>Spam</a:t>
+            </a:r>
+          </a:p>
+          <a:p>
+            <a:pPr lvl="1"/>
+            <a:r>
+              <a:rPr lang="en-US" dirty="0" smtClean="0"/>
+              <a:t>Unwanted marketing</a:t>
+            </a:r>
+          </a:p>
+          <a:p>
+            <a:pPr lvl="1"/>
+            <a:r>
+              <a:rPr lang="en-US" dirty="0" smtClean="0"/>
+              <a:t>Account purchase</a:t>
+            </a:r>
+          </a:p>
+          <a:p>
+            <a:r>
+              <a:rPr lang="en-US" dirty="0" smtClean="0"/>
+              <a:t>Misinformation</a:t>
+            </a:r>
+          </a:p>
+          <a:p>
+            <a:pPr lvl="1"/>
+            <a:endParaRPr lang="en-US" dirty="0"/>
+          </a:p>
+        </p:txBody>
+      </p:sp>
+      <p:sp>
+        <p:nvSpPr>
+          <p:cNvPr id="4" name="Slide Number Placeholder 3"/>
+          <p:cNvSpPr>
+            <a:spLocks noGrp="1"/>
+          </p:cNvSpPr>
+          <p:nvPr>
+            <p:ph type="sldNum" sz="quarter" idx="10"/>
+          </p:nvPr>
+        </p:nvSpPr>
+        <p:spPr/>
+        <p:txBody>
+          <a:bodyPr/>
+          <a:lstStyle/>
+          <a:p>
+            <a:fld id="{1816B7AE-A9D1-4F45-AA7C-31B94AAFC4DD}" type="slidenum">
+              <a:rPr lang="en-US" smtClean="0"/>
+              <a:t>3</a:t>
+            </a:fld>
+            <a:endParaRPr lang="en-US"/>
+          </a:p>
+        </p:txBody>
+      </p:sp>
+    </p:spTree>
+    <p:extLst>
+      <p:ext uri="{BB962C8B-B14F-4D97-AF65-F5344CB8AC3E}">
+        <p14:creationId xmlns:p14="http://schemas.microsoft.com/office/powerpoint/2010/main" val="2662010004"/>
+      </p:ext>
+    </p:extLst>
+  </p:cSld>
+  <p:clrMapOvr>
+    <a:masterClrMapping/>
+  </p:clrMapOvr>
+</p:notes>
+</file>
+
+<file path=ppt/notesSlides/notesSlide3.xml><?xml version="1.0" encoding="utf-8"?>
+<p:notes xmlns:a="http://schemas.openxmlformats.org/drawingml/2006/main" xmlns:r="http://schemas.openxmlformats.org/officeDocument/2006/relationships" xmlns:p="http://schemas.openxmlformats.org/presentationml/2006/main">
+  <p:cSld>
+    <p:spTree>
+      <p:nvGrpSpPr>
+        <p:cNvPr id="1" name=""/>
+        <p:cNvGrpSpPr/>
+        <p:nvPr/>
+      </p:nvGrpSpPr>
+      <p:grpSpPr>
+        <a:xfrm>
+          <a:off x="0" y="0"/>
+          <a:ext cx="0" cy="0"/>
+          <a:chOff x="0" y="0"/>
+          <a:chExt cx="0" cy="0"/>
+        </a:xfrm>
+      </p:grpSpPr>
+      <p:sp>
+        <p:nvSpPr>
+          <p:cNvPr id="2" name="Slide Image Placeholder 1"/>
+          <p:cNvSpPr>
+            <a:spLocks noGrp="1" noRot="1" noChangeAspect="1"/>
+          </p:cNvSpPr>
+          <p:nvPr>
+            <p:ph type="sldImg"/>
+          </p:nvPr>
+        </p:nvSpPr>
+        <p:spPr/>
+      </p:sp>
+      <p:sp>
+        <p:nvSpPr>
+          <p:cNvPr id="3" name="Notes Placeholder 2"/>
+          <p:cNvSpPr>
+            <a:spLocks noGrp="1"/>
+          </p:cNvSpPr>
+          <p:nvPr>
+            <p:ph type="body" idx="1"/>
+          </p:nvPr>
+        </p:nvSpPr>
+        <p:spPr/>
+        <p:txBody>
+          <a:bodyPr/>
+          <a:lstStyle/>
+          <a:p>
+            <a:r>
+              <a:rPr lang="en-US" dirty="0" smtClean="0"/>
+              <a:t>The resulting classifier obtained 98.42% accuracy but gathering</a:t>
+            </a:r>
+            <a:r>
+              <a:rPr lang="en-US" baseline="0" dirty="0" smtClean="0"/>
+              <a:t> the data took 7 months</a:t>
+            </a:r>
+            <a:endParaRPr lang="en-US" dirty="0"/>
+          </a:p>
+        </p:txBody>
+      </p:sp>
+      <p:sp>
+        <p:nvSpPr>
+          <p:cNvPr id="4" name="Slide Number Placeholder 3"/>
+          <p:cNvSpPr>
+            <a:spLocks noGrp="1"/>
+          </p:cNvSpPr>
+          <p:nvPr>
+            <p:ph type="sldNum" sz="quarter" idx="10"/>
+          </p:nvPr>
+        </p:nvSpPr>
+        <p:spPr/>
+        <p:txBody>
+          <a:bodyPr/>
+          <a:lstStyle/>
+          <a:p>
+            <a:fld id="{1816B7AE-A9D1-4F45-AA7C-31B94AAFC4DD}" type="slidenum">
+              <a:rPr lang="en-US" smtClean="0"/>
+              <a:t>5</a:t>
+            </a:fld>
+            <a:endParaRPr lang="en-US"/>
+          </a:p>
+        </p:txBody>
+      </p:sp>
+    </p:spTree>
+    <p:extLst>
+      <p:ext uri="{BB962C8B-B14F-4D97-AF65-F5344CB8AC3E}">
+        <p14:creationId xmlns:p14="http://schemas.microsoft.com/office/powerpoint/2010/main" val="1450822521"/>
+      </p:ext>
+    </p:extLst>
+  </p:cSld>
+  <p:clrMapOvr>
+    <a:masterClrMapping/>
+  </p:clrMapOvr>
+</p:notes>
+</file>
+
 <file path=ppt/slideLayouts/slideLayout1.xml><?xml version="1.0" encoding="utf-8"?>
 <p:sldLayout xmlns:a="http://schemas.openxmlformats.org/drawingml/2006/main" xmlns:r="http://schemas.openxmlformats.org/officeDocument/2006/relationships" xmlns:p="http://schemas.openxmlformats.org/presentationml/2006/main" type="title" preserve="1">
   <p:cSld name="Title Slide">
@@ -294,7 +1024,7 @@
           <a:p>
             <a:fld id="{0D84C232-1D61-0344-9E0E-D16214578882}" type="datetimeFigureOut">
               <a:rPr lang="en-US" smtClean="0"/>
-              <a:t>10/15/14</a:t>
+              <a:t>10/21/14</a:t>
             </a:fld>
             <a:endParaRPr lang="en-US"/>
           </a:p>
@@ -464,7 +1194,7 @@
           <a:p>
             <a:fld id="{0D84C232-1D61-0344-9E0E-D16214578882}" type="datetimeFigureOut">
               <a:rPr lang="en-US" smtClean="0"/>
-              <a:t>10/15/14</a:t>
+              <a:t>10/21/14</a:t>
             </a:fld>
             <a:endParaRPr lang="en-US"/>
           </a:p>
@@ -644,7 +1374,7 @@
           <a:p>
             <a:fld id="{0D84C232-1D61-0344-9E0E-D16214578882}" type="datetimeFigureOut">
               <a:rPr lang="en-US" smtClean="0"/>
-              <a:t>10/15/14</a:t>
+              <a:t>10/21/14</a:t>
             </a:fld>
             <a:endParaRPr lang="en-US"/>
           </a:p>
@@ -814,7 +1544,7 @@
           <a:p>
             <a:fld id="{0D84C232-1D61-0344-9E0E-D16214578882}" type="datetimeFigureOut">
               <a:rPr lang="en-US" smtClean="0"/>
-              <a:t>10/15/14</a:t>
+              <a:t>10/21/14</a:t>
             </a:fld>
             <a:endParaRPr lang="en-US"/>
           </a:p>
@@ -1060,7 +1790,7 @@
           <a:p>
             <a:fld id="{0D84C232-1D61-0344-9E0E-D16214578882}" type="datetimeFigureOut">
               <a:rPr lang="en-US" smtClean="0"/>
-              <a:t>10/15/14</a:t>
+              <a:t>10/21/14</a:t>
             </a:fld>
             <a:endParaRPr lang="en-US"/>
           </a:p>
@@ -1348,7 +2078,7 @@
           <a:p>
             <a:fld id="{0D84C232-1D61-0344-9E0E-D16214578882}" type="datetimeFigureOut">
               <a:rPr lang="en-US" smtClean="0"/>
-              <a:t>10/15/14</a:t>
+              <a:t>10/21/14</a:t>
             </a:fld>
             <a:endParaRPr lang="en-US"/>
           </a:p>
@@ -1770,7 +2500,7 @@
           <a:p>
             <a:fld id="{0D84C232-1D61-0344-9E0E-D16214578882}" type="datetimeFigureOut">
               <a:rPr lang="en-US" smtClean="0"/>
-              <a:t>10/15/14</a:t>
+              <a:t>10/21/14</a:t>
             </a:fld>
             <a:endParaRPr lang="en-US"/>
           </a:p>
@@ -1888,7 +2618,7 @@
           <a:p>
             <a:fld id="{0D84C232-1D61-0344-9E0E-D16214578882}" type="datetimeFigureOut">
               <a:rPr lang="en-US" smtClean="0"/>
-              <a:t>10/15/14</a:t>
+              <a:t>10/21/14</a:t>
             </a:fld>
             <a:endParaRPr lang="en-US"/>
           </a:p>
@@ -1983,7 +2713,7 @@
           <a:p>
             <a:fld id="{0D84C232-1D61-0344-9E0E-D16214578882}" type="datetimeFigureOut">
               <a:rPr lang="en-US" smtClean="0"/>
-              <a:t>10/15/14</a:t>
+              <a:t>10/21/14</a:t>
             </a:fld>
             <a:endParaRPr lang="en-US"/>
           </a:p>
@@ -2260,7 +2990,7 @@
           <a:p>
             <a:fld id="{0D84C232-1D61-0344-9E0E-D16214578882}" type="datetimeFigureOut">
               <a:rPr lang="en-US" smtClean="0"/>
-              <a:t>10/15/14</a:t>
+              <a:t>10/21/14</a:t>
             </a:fld>
             <a:endParaRPr lang="en-US"/>
           </a:p>
@@ -2513,7 +3243,7 @@
           <a:p>
             <a:fld id="{0D84C232-1D61-0344-9E0E-D16214578882}" type="datetimeFigureOut">
               <a:rPr lang="en-US" smtClean="0"/>
-              <a:t>10/15/14</a:t>
+              <a:t>10/21/14</a:t>
             </a:fld>
             <a:endParaRPr lang="en-US"/>
           </a:p>
@@ -2726,7 +3456,7 @@
           <a:p>
             <a:fld id="{0D84C232-1D61-0344-9E0E-D16214578882}" type="datetimeFigureOut">
               <a:rPr lang="en-US" smtClean="0"/>
-              <a:t>10/15/14</a:t>
+              <a:t>10/21/14</a:t>
             </a:fld>
             <a:endParaRPr lang="en-US"/>
           </a:p>
@@ -3167,6 +3897,541 @@
 </p:sld>
 </file>
 
+<file path=ppt/slides/slide10.xml><?xml version="1.0" encoding="utf-8"?>
+<p:sld xmlns:a="http://schemas.openxmlformats.org/drawingml/2006/main" xmlns:r="http://schemas.openxmlformats.org/officeDocument/2006/relationships" xmlns:p="http://schemas.openxmlformats.org/presentationml/2006/main">
+  <p:cSld>
+    <p:spTree>
+      <p:nvGrpSpPr>
+        <p:cNvPr id="1" name=""/>
+        <p:cNvGrpSpPr/>
+        <p:nvPr/>
+      </p:nvGrpSpPr>
+      <p:grpSpPr>
+        <a:xfrm>
+          <a:off x="0" y="0"/>
+          <a:ext cx="0" cy="0"/>
+          <a:chOff x="0" y="0"/>
+          <a:chExt cx="0" cy="0"/>
+        </a:xfrm>
+      </p:grpSpPr>
+      <p:sp>
+        <p:nvSpPr>
+          <p:cNvPr id="2" name="Title 1"/>
+          <p:cNvSpPr>
+            <a:spLocks noGrp="1"/>
+          </p:cNvSpPr>
+          <p:nvPr>
+            <p:ph type="title"/>
+          </p:nvPr>
+        </p:nvSpPr>
+        <p:spPr/>
+        <p:txBody>
+          <a:bodyPr/>
+          <a:lstStyle/>
+          <a:p>
+            <a:r>
+              <a:rPr lang="en-US" smtClean="0"/>
+              <a:t>Timeline</a:t>
+            </a:r>
+            <a:endParaRPr lang="en-US" dirty="0"/>
+          </a:p>
+        </p:txBody>
+      </p:sp>
+      <p:sp>
+        <p:nvSpPr>
+          <p:cNvPr id="3" name="Content Placeholder 2"/>
+          <p:cNvSpPr>
+            <a:spLocks noGrp="1"/>
+          </p:cNvSpPr>
+          <p:nvPr>
+            <p:ph idx="1"/>
+          </p:nvPr>
+        </p:nvSpPr>
+        <p:spPr/>
+        <p:txBody>
+          <a:bodyPr/>
+          <a:lstStyle/>
+          <a:p>
+            <a:r>
+              <a:rPr lang="en-US" sz="4400" dirty="0" smtClean="0">
+                <a:latin typeface="+mj-lt"/>
+                <a:ea typeface="+mj-ea"/>
+                <a:cs typeface="+mj-cs"/>
+              </a:rPr>
+              <a:t>Collect data</a:t>
+            </a:r>
+          </a:p>
+          <a:p>
+            <a:r>
+              <a:rPr lang="en-US" sz="4400" dirty="0" smtClean="0">
+                <a:latin typeface="+mj-lt"/>
+                <a:ea typeface="+mj-ea"/>
+                <a:cs typeface="+mj-cs"/>
+              </a:rPr>
+              <a:t>Preprocess data</a:t>
+            </a:r>
+          </a:p>
+          <a:p>
+            <a:r>
+              <a:rPr lang="en-US" sz="4400" dirty="0" smtClean="0">
+                <a:latin typeface="+mj-lt"/>
+                <a:ea typeface="+mj-ea"/>
+                <a:cs typeface="+mj-cs"/>
+              </a:rPr>
+              <a:t>Label data</a:t>
+            </a:r>
+          </a:p>
+          <a:p>
+            <a:r>
+              <a:rPr lang="en-US" sz="4400" dirty="0" smtClean="0">
+                <a:latin typeface="+mj-lt"/>
+                <a:ea typeface="+mj-ea"/>
+                <a:cs typeface="+mj-cs"/>
+              </a:rPr>
+              <a:t>Test and adjust method</a:t>
+            </a:r>
+          </a:p>
+          <a:p>
+            <a:r>
+              <a:rPr lang="en-US" sz="4400" kern="1200" dirty="0" smtClean="0">
+                <a:solidFill>
+                  <a:schemeClr val="tx1"/>
+                </a:solidFill>
+                <a:latin typeface="+mj-lt"/>
+                <a:ea typeface="+mj-ea"/>
+                <a:cs typeface="+mj-cs"/>
+              </a:rPr>
+              <a:t>Report results</a:t>
+            </a:r>
+            <a:endParaRPr lang="en-US" sz="4400" kern="1200" dirty="0" smtClean="0">
+              <a:solidFill>
+                <a:schemeClr val="tx1"/>
+              </a:solidFill>
+              <a:latin typeface="+mj-lt"/>
+              <a:ea typeface="+mj-ea"/>
+              <a:cs typeface="+mj-cs"/>
+            </a:endParaRPr>
+          </a:p>
+        </p:txBody>
+      </p:sp>
+    </p:spTree>
+    <p:extLst>
+      <p:ext uri="{BB962C8B-B14F-4D97-AF65-F5344CB8AC3E}">
+        <p14:creationId xmlns:p14="http://schemas.microsoft.com/office/powerpoint/2010/main" val="1275955173"/>
+      </p:ext>
+    </p:extLst>
+  </p:cSld>
+  <p:clrMapOvr>
+    <a:masterClrMapping/>
+  </p:clrMapOvr>
+  <p:timing>
+    <p:tnLst>
+      <p:par>
+        <p:cTn xmlns:p14="http://schemas.microsoft.com/office/powerpoint/2010/main" id="1" dur="indefinite" restart="never" nodeType="tmRoot"/>
+      </p:par>
+    </p:tnLst>
+  </p:timing>
+</p:sld>
+</file>
+
+<file path=ppt/slides/slide11.xml><?xml version="1.0" encoding="utf-8"?>
+<p:sld xmlns:a="http://schemas.openxmlformats.org/drawingml/2006/main" xmlns:r="http://schemas.openxmlformats.org/officeDocument/2006/relationships" xmlns:p="http://schemas.openxmlformats.org/presentationml/2006/main">
+  <p:cSld>
+    <p:spTree>
+      <p:nvGrpSpPr>
+        <p:cNvPr id="1" name=""/>
+        <p:cNvGrpSpPr/>
+        <p:nvPr/>
+      </p:nvGrpSpPr>
+      <p:grpSpPr>
+        <a:xfrm>
+          <a:off x="0" y="0"/>
+          <a:ext cx="0" cy="0"/>
+          <a:chOff x="0" y="0"/>
+          <a:chExt cx="0" cy="0"/>
+        </a:xfrm>
+      </p:grpSpPr>
+      <p:sp>
+        <p:nvSpPr>
+          <p:cNvPr id="2" name="Title 1"/>
+          <p:cNvSpPr>
+            <a:spLocks noGrp="1"/>
+          </p:cNvSpPr>
+          <p:nvPr>
+            <p:ph type="title"/>
+          </p:nvPr>
+        </p:nvSpPr>
+        <p:spPr/>
+        <p:txBody>
+          <a:bodyPr/>
+          <a:lstStyle/>
+          <a:p>
+            <a:r>
+              <a:rPr lang="en-US" dirty="0" smtClean="0"/>
+              <a:t>References</a:t>
+            </a:r>
+            <a:endParaRPr lang="en-US" dirty="0"/>
+          </a:p>
+        </p:txBody>
+      </p:sp>
+      <p:sp>
+        <p:nvSpPr>
+          <p:cNvPr id="3" name="Content Placeholder 2"/>
+          <p:cNvSpPr>
+            <a:spLocks noGrp="1"/>
+          </p:cNvSpPr>
+          <p:nvPr>
+            <p:ph idx="1"/>
+          </p:nvPr>
+        </p:nvSpPr>
+        <p:spPr/>
+        <p:txBody>
+          <a:bodyPr>
+            <a:normAutofit fontScale="55000" lnSpcReduction="20000"/>
+          </a:bodyPr>
+          <a:lstStyle/>
+          <a:p>
+            <a:r>
+              <a:rPr lang="en-US" dirty="0"/>
+              <a:t>Ferrara, Emilio, </a:t>
+            </a:r>
+            <a:r>
+              <a:rPr lang="en-US" dirty="0" err="1"/>
+              <a:t>Onur</a:t>
+            </a:r>
+            <a:r>
+              <a:rPr lang="en-US" dirty="0"/>
+              <a:t> </a:t>
+            </a:r>
+            <a:r>
+              <a:rPr lang="en-US" dirty="0" err="1"/>
+              <a:t>Varol</a:t>
+            </a:r>
+            <a:r>
+              <a:rPr lang="en-US" dirty="0"/>
+              <a:t>, Clayton Davis, </a:t>
+            </a:r>
+            <a:r>
+              <a:rPr lang="en-US" dirty="0" err="1"/>
+              <a:t>Filippo</a:t>
+            </a:r>
+            <a:r>
+              <a:rPr lang="en-US" dirty="0"/>
+              <a:t> </a:t>
+            </a:r>
+            <a:r>
+              <a:rPr lang="en-US" dirty="0" err="1"/>
+              <a:t>Menczer</a:t>
+            </a:r>
+            <a:r>
+              <a:rPr lang="en-US" dirty="0"/>
+              <a:t>, and Alessandro </a:t>
+            </a:r>
+            <a:r>
+              <a:rPr lang="en-US" dirty="0" err="1"/>
+              <a:t>Flammini</a:t>
+            </a:r>
+            <a:r>
+              <a:rPr lang="en-US" dirty="0"/>
+              <a:t>. 2014. “The Rise of Social Bots” (July 19). http://</a:t>
+            </a:r>
+            <a:r>
+              <a:rPr lang="en-US" dirty="0" err="1"/>
+              <a:t>arxiv.org</a:t>
+            </a:r>
+            <a:r>
+              <a:rPr lang="en-US" dirty="0"/>
+              <a:t>/abs/1407.5225v1.</a:t>
+            </a:r>
+          </a:p>
+          <a:p>
+            <a:r>
+              <a:rPr lang="en-US" dirty="0" smtClean="0"/>
+              <a:t>Lee, </a:t>
+            </a:r>
+            <a:r>
+              <a:rPr lang="en-US" dirty="0" err="1" smtClean="0"/>
+              <a:t>Kyumin</a:t>
+            </a:r>
+            <a:r>
+              <a:rPr lang="en-US" dirty="0" smtClean="0"/>
+              <a:t>, BD </a:t>
+            </a:r>
+            <a:r>
+              <a:rPr lang="en-US" dirty="0" err="1" smtClean="0"/>
+              <a:t>Eoff</a:t>
+            </a:r>
+            <a:r>
+              <a:rPr lang="en-US" dirty="0" smtClean="0"/>
+              <a:t>, and James </a:t>
+            </a:r>
+            <a:r>
+              <a:rPr lang="en-US" dirty="0" err="1" smtClean="0"/>
+              <a:t>Caverlee</a:t>
+            </a:r>
+            <a:r>
+              <a:rPr lang="en-US" dirty="0" smtClean="0"/>
+              <a:t>. 2011. “Seven Months with the Devils: A Long-Term Study of Content Polluters on Twitter.” Proceedings of the Fifth International AAAI Conference on Weblogs and Social Media (ICWSM). http://</a:t>
+            </a:r>
+            <a:r>
+              <a:rPr lang="en-US" dirty="0" err="1" smtClean="0"/>
+              <a:t>www.aaai.org</a:t>
+            </a:r>
+            <a:r>
+              <a:rPr lang="en-US" dirty="0" smtClean="0"/>
+              <a:t>/</a:t>
+            </a:r>
+            <a:r>
+              <a:rPr lang="en-US" dirty="0" err="1" smtClean="0"/>
+              <a:t>ocs</a:t>
+            </a:r>
+            <a:r>
+              <a:rPr lang="en-US" dirty="0" smtClean="0"/>
+              <a:t>/</a:t>
+            </a:r>
+            <a:r>
+              <a:rPr lang="en-US" dirty="0" err="1" smtClean="0"/>
+              <a:t>index.php</a:t>
+            </a:r>
+            <a:r>
+              <a:rPr lang="en-US" dirty="0" smtClean="0"/>
+              <a:t>/ICWSM/ICWSM11/paper/</a:t>
+            </a:r>
+            <a:r>
+              <a:rPr lang="en-US" dirty="0" err="1" smtClean="0"/>
+              <a:t>viewFile</a:t>
+            </a:r>
+            <a:r>
+              <a:rPr lang="en-US" dirty="0" smtClean="0"/>
+              <a:t>/2780/3296.</a:t>
+            </a:r>
+          </a:p>
+          <a:p>
+            <a:r>
+              <a:rPr lang="en-US" dirty="0" smtClean="0"/>
+              <a:t>Lee, </a:t>
+            </a:r>
+            <a:r>
+              <a:rPr lang="en-US" dirty="0" err="1" smtClean="0"/>
+              <a:t>Kyumin</a:t>
+            </a:r>
+            <a:r>
+              <a:rPr lang="en-US" dirty="0" smtClean="0"/>
+              <a:t>, </a:t>
+            </a:r>
+            <a:r>
+              <a:rPr lang="en-US" dirty="0" err="1" smtClean="0"/>
+              <a:t>Prithivi</a:t>
+            </a:r>
+            <a:r>
+              <a:rPr lang="en-US" dirty="0" smtClean="0"/>
+              <a:t> </a:t>
+            </a:r>
+            <a:r>
+              <a:rPr lang="en-US" dirty="0" err="1" smtClean="0"/>
+              <a:t>Tamilarasan</a:t>
+            </a:r>
+            <a:r>
+              <a:rPr lang="en-US" dirty="0" smtClean="0"/>
+              <a:t>, and James </a:t>
+            </a:r>
+            <a:r>
+              <a:rPr lang="en-US" dirty="0" err="1" smtClean="0"/>
+              <a:t>Caverlee</a:t>
+            </a:r>
+            <a:r>
+              <a:rPr lang="en-US" dirty="0" smtClean="0"/>
+              <a:t>. “</a:t>
+            </a:r>
+            <a:r>
+              <a:rPr lang="en-US" dirty="0" err="1" smtClean="0"/>
+              <a:t>Crowdturfers</a:t>
+            </a:r>
+            <a:r>
+              <a:rPr lang="en-US" dirty="0" smtClean="0"/>
+              <a:t> , Campaigns , and Social Media : Tracking and Revealing </a:t>
+            </a:r>
+            <a:r>
+              <a:rPr lang="en-US" dirty="0" err="1" smtClean="0"/>
+              <a:t>Crowdsourced</a:t>
+            </a:r>
+            <a:r>
+              <a:rPr lang="en-US" dirty="0" smtClean="0"/>
+              <a:t> Manipulation of Social Media.”</a:t>
+            </a:r>
+          </a:p>
+          <a:p>
+            <a:r>
+              <a:rPr lang="en-US" dirty="0" err="1"/>
+              <a:t>Ratkiewicz</a:t>
+            </a:r>
+            <a:r>
+              <a:rPr lang="en-US" dirty="0"/>
+              <a:t>, Jacob, Michael Conover, Mark </a:t>
+            </a:r>
+            <a:r>
+              <a:rPr lang="en-US" dirty="0" err="1"/>
+              <a:t>Meiss</a:t>
+            </a:r>
+            <a:r>
+              <a:rPr lang="en-US" dirty="0"/>
+              <a:t>, Bruno </a:t>
+            </a:r>
+            <a:r>
+              <a:rPr lang="en-US" dirty="0" err="1"/>
+              <a:t>Gonçalves</a:t>
+            </a:r>
+            <a:r>
+              <a:rPr lang="en-US" dirty="0"/>
+              <a:t>, </a:t>
+            </a:r>
+            <a:r>
+              <a:rPr lang="en-US" dirty="0" err="1"/>
+              <a:t>Snehal</a:t>
+            </a:r>
+            <a:r>
+              <a:rPr lang="en-US" dirty="0"/>
+              <a:t> </a:t>
+            </a:r>
+            <a:r>
+              <a:rPr lang="en-US" dirty="0" err="1"/>
+              <a:t>Patil</a:t>
+            </a:r>
+            <a:r>
+              <a:rPr lang="en-US" dirty="0"/>
+              <a:t>, Alessandro </a:t>
+            </a:r>
+            <a:r>
+              <a:rPr lang="en-US" dirty="0" err="1"/>
+              <a:t>Flammini</a:t>
+            </a:r>
+            <a:r>
+              <a:rPr lang="en-US" dirty="0"/>
+              <a:t>, and </a:t>
+            </a:r>
+            <a:r>
+              <a:rPr lang="en-US" dirty="0" err="1"/>
+              <a:t>Filippo</a:t>
+            </a:r>
+            <a:r>
+              <a:rPr lang="en-US" dirty="0"/>
+              <a:t> </a:t>
+            </a:r>
+            <a:r>
+              <a:rPr lang="en-US" dirty="0" err="1"/>
+              <a:t>Menczer</a:t>
+            </a:r>
+            <a:r>
+              <a:rPr lang="en-US" dirty="0"/>
+              <a:t>. "</a:t>
+            </a:r>
+            <a:r>
+              <a:rPr lang="en-US" dirty="0" err="1"/>
+              <a:t>Truthy</a:t>
+            </a:r>
+            <a:r>
+              <a:rPr lang="en-US" dirty="0"/>
+              <a:t>: mapping the spread of </a:t>
+            </a:r>
+            <a:r>
+              <a:rPr lang="en-US" dirty="0" err="1"/>
+              <a:t>astroturf</a:t>
+            </a:r>
+            <a:r>
+              <a:rPr lang="en-US" dirty="0"/>
+              <a:t> in </a:t>
+            </a:r>
+            <a:r>
+              <a:rPr lang="en-US" dirty="0" err="1"/>
+              <a:t>microblog</a:t>
+            </a:r>
+            <a:r>
+              <a:rPr lang="en-US" dirty="0"/>
+              <a:t> streams." In </a:t>
+            </a:r>
+            <a:r>
+              <a:rPr lang="en-US" i="1" dirty="0"/>
+              <a:t>Proceedings of the 20th international conference companion on World wide web</a:t>
+            </a:r>
+            <a:r>
+              <a:rPr lang="en-US" dirty="0"/>
+              <a:t>, pp. 249-252. ACM, 2011</a:t>
+            </a:r>
+            <a:r>
+              <a:rPr lang="en-US" dirty="0" smtClean="0"/>
+              <a:t>.</a:t>
+            </a:r>
+          </a:p>
+          <a:p>
+            <a:r>
+              <a:rPr lang="en-US" dirty="0" smtClean="0"/>
+              <a:t>Chu, </a:t>
+            </a:r>
+            <a:r>
+              <a:rPr lang="en-US" dirty="0" err="1" smtClean="0"/>
+              <a:t>Zi</a:t>
+            </a:r>
+            <a:r>
+              <a:rPr lang="en-US" dirty="0" smtClean="0"/>
+              <a:t>, Steven </a:t>
+            </a:r>
+            <a:r>
+              <a:rPr lang="en-US" dirty="0" err="1" smtClean="0"/>
+              <a:t>Gianvecchio</a:t>
+            </a:r>
+            <a:r>
+              <a:rPr lang="en-US" dirty="0" smtClean="0"/>
+              <a:t>, </a:t>
+            </a:r>
+            <a:r>
+              <a:rPr lang="en-US" dirty="0" err="1" smtClean="0"/>
+              <a:t>Haining</a:t>
+            </a:r>
+            <a:r>
+              <a:rPr lang="en-US" dirty="0" smtClean="0"/>
+              <a:t> Wang, and </a:t>
+            </a:r>
+            <a:r>
+              <a:rPr lang="en-US" dirty="0" err="1" smtClean="0"/>
+              <a:t>Sushil</a:t>
+            </a:r>
+            <a:r>
+              <a:rPr lang="en-US" dirty="0" smtClean="0"/>
+              <a:t> </a:t>
+            </a:r>
+            <a:r>
+              <a:rPr lang="en-US" dirty="0" err="1" smtClean="0"/>
+              <a:t>Jajodia</a:t>
+            </a:r>
+            <a:r>
+              <a:rPr lang="en-US" dirty="0" smtClean="0"/>
+              <a:t>. "Who is tweeting on Twitter: human, bot, or cyborg?." In </a:t>
+            </a:r>
+            <a:r>
+              <a:rPr lang="en-US" i="1" dirty="0" smtClean="0"/>
+              <a:t>Proceedings of the 26th annual computer security applications conference</a:t>
+            </a:r>
+            <a:r>
+              <a:rPr lang="en-US" dirty="0" smtClean="0"/>
+              <a:t>, pp. 21-30. ACM, 2010.</a:t>
+            </a:r>
+            <a:endParaRPr lang="en-US" dirty="0"/>
+          </a:p>
+        </p:txBody>
+      </p:sp>
+    </p:spTree>
+    <p:extLst>
+      <p:ext uri="{BB962C8B-B14F-4D97-AF65-F5344CB8AC3E}">
+        <p14:creationId xmlns:p14="http://schemas.microsoft.com/office/powerpoint/2010/main" val="1963519557"/>
+      </p:ext>
+    </p:extLst>
+  </p:cSld>
+  <p:clrMapOvr>
+    <a:masterClrMapping/>
+  </p:clrMapOvr>
+</p:sld>
+</file>
+
 <file path=ppt/slides/slide2.xml><?xml version="1.0" encoding="utf-8"?>
 <p:sld xmlns:a="http://schemas.openxmlformats.org/drawingml/2006/main" xmlns:r="http://schemas.openxmlformats.org/officeDocument/2006/relationships" xmlns:p="http://schemas.openxmlformats.org/presentationml/2006/main">
   <p:cSld>
@@ -3223,7 +4488,7 @@
             <a:spLocks noGrp="1"/>
           </p:cNvSpPr>
           <p:nvPr>
-            <p:ph idx="1"/>
+            <p:ph sz="half" idx="1"/>
           </p:nvPr>
         </p:nvSpPr>
         <p:spPr/>
@@ -3231,10 +4496,127 @@
           <a:bodyPr/>
           <a:lstStyle/>
           <a:p>
-            <a:endParaRPr lang="en-US"/>
-          </a:p>
-        </p:txBody>
-      </p:sp>
+            <a:r>
+              <a:rPr lang="en-US" dirty="0" smtClean="0"/>
+              <a:t>Automatic content generation for online social media:</a:t>
+            </a:r>
+          </a:p>
+          <a:p>
+            <a:pPr lvl="1"/>
+            <a:r>
+              <a:rPr lang="en-US" dirty="0" smtClean="0"/>
+              <a:t>Bot and </a:t>
+            </a:r>
+            <a:r>
+              <a:rPr lang="en-US" dirty="0" err="1" smtClean="0"/>
+              <a:t>astroturfing</a:t>
+            </a:r>
+            <a:endParaRPr lang="en-US" dirty="0" smtClean="0"/>
+          </a:p>
+          <a:p>
+            <a:pPr lvl="1"/>
+            <a:r>
+              <a:rPr lang="en-US" dirty="0" smtClean="0"/>
+              <a:t>Spam</a:t>
+            </a:r>
+          </a:p>
+          <a:p>
+            <a:pPr lvl="1"/>
+            <a:r>
+              <a:rPr lang="en-US" dirty="0" smtClean="0"/>
+              <a:t>Unwanted marketing</a:t>
+            </a:r>
+          </a:p>
+          <a:p>
+            <a:pPr lvl="1"/>
+            <a:r>
+              <a:rPr lang="en-US" dirty="0" smtClean="0"/>
+              <a:t>Account purchase</a:t>
+            </a:r>
+          </a:p>
+          <a:p>
+            <a:r>
+              <a:rPr lang="en-US" dirty="0" smtClean="0"/>
+              <a:t>Misinformation</a:t>
+            </a:r>
+          </a:p>
+          <a:p>
+            <a:pPr lvl="1"/>
+            <a:endParaRPr lang="en-US" dirty="0"/>
+          </a:p>
+        </p:txBody>
+      </p:sp>
+      <p:sp>
+        <p:nvSpPr>
+          <p:cNvPr id="4" name="TextBox 3"/>
+          <p:cNvSpPr txBox="1"/>
+          <p:nvPr/>
+        </p:nvSpPr>
+        <p:spPr>
+          <a:xfrm>
+            <a:off x="7621052" y="6044861"/>
+            <a:ext cx="1377400" cy="246221"/>
+          </a:xfrm>
+          <a:prstGeom prst="rect">
+            <a:avLst/>
+          </a:prstGeom>
+          <a:noFill/>
+        </p:spPr>
+        <p:txBody>
+          <a:bodyPr wrap="none" rtlCol="0">
+            <a:spAutoFit/>
+          </a:bodyPr>
+          <a:lstStyle/>
+          <a:p>
+            <a:r>
+              <a:rPr lang="en-US" sz="1000" dirty="0" err="1"/>
+              <a:t>faz</a:t>
+            </a:r>
+            <a:r>
+              <a:rPr lang="en-US" sz="1000" dirty="0"/>
+              <a:t> </a:t>
+            </a:r>
+            <a:r>
+              <a:rPr lang="en-US" sz="1000" dirty="0" err="1" smtClean="0"/>
+              <a:t>besharatian</a:t>
+            </a:r>
+            <a:r>
+              <a:rPr lang="en-US" sz="1000" dirty="0" smtClean="0"/>
+              <a:t> ©2009</a:t>
+            </a:r>
+            <a:endParaRPr lang="en-US" sz="1000" dirty="0"/>
+          </a:p>
+        </p:txBody>
+      </p:sp>
+      <p:pic>
+        <p:nvPicPr>
+          <p:cNvPr id="9" name="Content Placeholder 8" descr="3494266677_42343a4a69_o.png"/>
+          <p:cNvPicPr>
+            <a:picLocks noGrp="1" noChangeAspect="1"/>
+          </p:cNvPicPr>
+          <p:nvPr>
+            <p:ph sz="half" idx="2"/>
+          </p:nvPr>
+        </p:nvPicPr>
+        <p:blipFill>
+          <a:blip r:embed="rId3">
+            <a:extLst>
+              <a:ext uri="{28A0092B-C50C-407E-A947-70E740481C1C}">
+                <a14:useLocalDpi xmlns:a14="http://schemas.microsoft.com/office/drawing/2010/main" val="0"/>
+              </a:ext>
+            </a:extLst>
+          </a:blip>
+          <a:srcRect t="-34051" b="-34051"/>
+          <a:stretch>
+            <a:fillRect/>
+          </a:stretch>
+        </p:blipFill>
+        <p:spPr>
+          <a:prstGeom prst="rect">
+            <a:avLst/>
+          </a:prstGeom>
+        </p:spPr>
+      </p:pic>
     </p:spTree>
     <p:extLst>
       <p:ext uri="{BB962C8B-B14F-4D97-AF65-F5344CB8AC3E}">
@@ -3245,6 +4627,13 @@
   <p:clrMapOvr>
     <a:masterClrMapping/>
   </p:clrMapOvr>
+  <p:timing>
+    <p:tnLst>
+      <p:par>
+        <p:cTn xmlns:p14="http://schemas.microsoft.com/office/powerpoint/2010/main" id="1" dur="indefinite" restart="never" nodeType="tmRoot"/>
+      </p:par>
+    </p:tnLst>
+  </p:timing>
 </p:sld>
 </file>
 
@@ -3291,40 +4680,122 @@
                 <a:ea typeface="+mj-ea"/>
                 <a:cs typeface="+mj-cs"/>
               </a:rPr>
-              <a:t>Hypothesis</a:t>
-            </a:r>
-          </a:p>
-        </p:txBody>
-      </p:sp>
-      <p:sp>
-        <p:nvSpPr>
-          <p:cNvPr id="3" name="Content Placeholder 2"/>
-          <p:cNvSpPr>
-            <a:spLocks noGrp="1"/>
-          </p:cNvSpPr>
+              <a:t>The Problem</a:t>
+            </a:r>
+            <a:endParaRPr lang="en-US" dirty="0"/>
+          </a:p>
+        </p:txBody>
+      </p:sp>
+      <p:pic>
+        <p:nvPicPr>
+          <p:cNvPr id="6" name="Content Placeholder 8" descr="3494266677_42343a4a69_o.png"/>
+          <p:cNvPicPr>
+            <a:picLocks noGrp="1" noChangeAspect="1"/>
+          </p:cNvPicPr>
           <p:nvPr>
             <p:ph idx="1"/>
           </p:nvPr>
-        </p:nvSpPr>
-        <p:spPr/>
-        <p:txBody>
-          <a:bodyPr/>
-          <a:lstStyle/>
-          <a:p>
-            <a:endParaRPr lang="en-US"/>
+        </p:nvPicPr>
+        <p:blipFill rotWithShape="1">
+          <a:blip r:embed="rId3">
+            <a:extLst>
+              <a:ext uri="{28A0092B-C50C-407E-A947-70E740481C1C}">
+                <a14:useLocalDpi xmlns:a14="http://schemas.microsoft.com/office/drawing/2010/main" val="0"/>
+              </a:ext>
+            </a:extLst>
+          </a:blip>
+          <a:srcRect t="3327" b="6685"/>
+          <a:stretch/>
+        </p:blipFill>
+        <p:spPr>
+          <a:xfrm>
+            <a:off x="457200" y="1618214"/>
+            <a:ext cx="8229600" cy="4937103"/>
+          </a:xfrm>
+          <a:prstGeom prst="rect">
+            <a:avLst/>
+          </a:prstGeom>
+        </p:spPr>
+      </p:pic>
+      <p:sp>
+        <p:nvSpPr>
+          <p:cNvPr id="7" name="TextBox 6"/>
+          <p:cNvSpPr txBox="1"/>
+          <p:nvPr/>
+        </p:nvSpPr>
+        <p:spPr>
+          <a:xfrm>
+            <a:off x="7309400" y="6291082"/>
+            <a:ext cx="1377400" cy="246221"/>
+          </a:xfrm>
+          <a:prstGeom prst="rect">
+            <a:avLst/>
+          </a:prstGeom>
+          <a:noFill/>
+        </p:spPr>
+        <p:txBody>
+          <a:bodyPr wrap="none" rtlCol="0">
+            <a:spAutoFit/>
+          </a:bodyPr>
+          <a:lstStyle/>
+          <a:p>
+            <a:r>
+              <a:rPr lang="en-US" sz="1000" dirty="0" err="1">
+                <a:solidFill>
+                  <a:schemeClr val="bg1"/>
+                </a:solidFill>
+              </a:rPr>
+              <a:t>faz</a:t>
+            </a:r>
+            <a:r>
+              <a:rPr lang="en-US" sz="1000" dirty="0">
+                <a:solidFill>
+                  <a:schemeClr val="bg1"/>
+                </a:solidFill>
+              </a:rPr>
+              <a:t> </a:t>
+            </a:r>
+            <a:r>
+              <a:rPr lang="en-US" sz="1000" dirty="0" err="1" smtClean="0">
+                <a:solidFill>
+                  <a:schemeClr val="bg1"/>
+                </a:solidFill>
+              </a:rPr>
+              <a:t>besharatian</a:t>
+            </a:r>
+            <a:r>
+              <a:rPr lang="en-US" sz="1000" dirty="0" smtClean="0">
+                <a:solidFill>
+                  <a:schemeClr val="bg1"/>
+                </a:solidFill>
+              </a:rPr>
+              <a:t> ©2009</a:t>
+            </a:r>
+            <a:endParaRPr lang="en-US" sz="1000" dirty="0">
+              <a:solidFill>
+                <a:schemeClr val="bg1"/>
+              </a:solidFill>
+            </a:endParaRPr>
           </a:p>
         </p:txBody>
       </p:sp>
     </p:spTree>
     <p:extLst>
       <p:ext uri="{BB962C8B-B14F-4D97-AF65-F5344CB8AC3E}">
-        <p14:creationId xmlns:p14="http://schemas.microsoft.com/office/powerpoint/2010/main" val="1892591398"/>
+        <p14:creationId xmlns:p14="http://schemas.microsoft.com/office/powerpoint/2010/main" val="371485841"/>
       </p:ext>
     </p:extLst>
   </p:cSld>
   <p:clrMapOvr>
     <a:masterClrMapping/>
   </p:clrMapOvr>
+  <p:timing>
+    <p:tnLst>
+      <p:par>
+        <p:cTn xmlns:p14="http://schemas.microsoft.com/office/powerpoint/2010/main" id="1" dur="indefinite" restart="never" nodeType="tmRoot"/>
+      </p:par>
+    </p:tnLst>
+  </p:timing>
 </p:sld>
 </file>
 
@@ -3357,7 +4828,9 @@
         </p:nvSpPr>
         <p:spPr/>
         <p:txBody>
-          <a:bodyPr/>
+          <a:bodyPr>
+            <a:normAutofit/>
+          </a:bodyPr>
           <a:lstStyle/>
           <a:p>
             <a:r>
@@ -3369,9 +4842,8 @@
                 <a:ea typeface="+mj-ea"/>
                 <a:cs typeface="+mj-cs"/>
               </a:rPr>
-              <a:t>The Method</a:t>
-            </a:r>
-            <a:endParaRPr lang="en-US" dirty="0"/>
+              <a:t>Hypothesis</a:t>
+            </a:r>
           </a:p>
         </p:txBody>
       </p:sp>
@@ -3390,24 +4862,33 @@
           <a:bodyPr/>
           <a:lstStyle/>
           <a:p>
+            <a:endParaRPr lang="en-US" dirty="0" smtClean="0"/>
+          </a:p>
+          <a:p>
             <a:r>
               <a:rPr lang="en-US" dirty="0" smtClean="0"/>
-              <a:t>Overview</a:t>
-            </a:r>
-            <a:endParaRPr lang="en-US" dirty="0"/>
+              <a:t>Identify twitter bot accounts using machine learning methods to efficiently </a:t>
+            </a:r>
           </a:p>
         </p:txBody>
       </p:sp>
     </p:spTree>
     <p:extLst>
       <p:ext uri="{BB962C8B-B14F-4D97-AF65-F5344CB8AC3E}">
-        <p14:creationId xmlns:p14="http://schemas.microsoft.com/office/powerpoint/2010/main" val="100562212"/>
+        <p14:creationId xmlns:p14="http://schemas.microsoft.com/office/powerpoint/2010/main" val="1892591398"/>
       </p:ext>
     </p:extLst>
   </p:cSld>
   <p:clrMapOvr>
     <a:masterClrMapping/>
   </p:clrMapOvr>
+  <p:timing>
+    <p:tnLst>
+      <p:par>
+        <p:cTn xmlns:p14="http://schemas.microsoft.com/office/powerpoint/2010/main" id="1" dur="indefinite" restart="never" nodeType="tmRoot"/>
+      </p:par>
+    </p:tnLst>
+  </p:timing>
 </p:sld>
 </file>
 
@@ -3440,14 +4921,12 @@
         </p:nvSpPr>
         <p:spPr/>
         <p:txBody>
-          <a:bodyPr>
-            <a:normAutofit/>
-          </a:bodyPr>
+          <a:bodyPr/>
           <a:lstStyle/>
           <a:p>
             <a:r>
               <a:rPr lang="en-US" dirty="0" smtClean="0"/>
-              <a:t>Data</a:t>
+              <a:t>The Method: Considerations</a:t>
             </a:r>
             <a:endParaRPr lang="en-US" dirty="0"/>
           </a:p>
@@ -3455,12 +4934,12 @@
       </p:sp>
       <p:sp>
         <p:nvSpPr>
-          <p:cNvPr id="3" name="Content Placeholder 2"/>
-          <p:cNvSpPr>
-            <a:spLocks noGrp="1"/>
-          </p:cNvSpPr>
-          <p:nvPr>
-            <p:ph idx="1"/>
+          <p:cNvPr id="4" name="Content Placeholder 3"/>
+          <p:cNvSpPr>
+            <a:spLocks noGrp="1"/>
+          </p:cNvSpPr>
+          <p:nvPr>
+            <p:ph sz="half" idx="1"/>
           </p:nvPr>
         </p:nvSpPr>
         <p:spPr/>
@@ -3468,45 +4947,100 @@
           <a:bodyPr/>
           <a:lstStyle/>
           <a:p>
-            <a:pPr marL="342900" marR="0" indent="-342900" algn="l" defTabSz="457200" rtl="0" eaLnBrk="1" fontAlgn="auto" latinLnBrk="0" hangingPunct="1">
-              <a:lnSpc>
-                <a:spcPct val="100000"/>
-              </a:lnSpc>
-              <a:spcBef>
-                <a:spcPct val="20000"/>
-              </a:spcBef>
-              <a:spcAft>
-                <a:spcPts val="0"/>
-              </a:spcAft>
-              <a:buClrTx/>
-              <a:buSzTx/>
-              <a:buFont typeface="Arial"/>
-              <a:buChar char="•"/>
-              <a:tabLst/>
-              <a:defRPr/>
-            </a:pPr>
-            <a:r>
-              <a:rPr lang="en-US" sz="3200" kern="1200" dirty="0" smtClean="0">
-                <a:solidFill>
-                  <a:schemeClr val="tx1"/>
-                </a:solidFill>
-                <a:effectLst/>
-                <a:latin typeface="+mn-lt"/>
-                <a:ea typeface="+mn-ea"/>
-                <a:cs typeface="+mn-cs"/>
-              </a:rPr>
-              <a:t>Specifics about the data you intend to use (how many, from where, with what attributes?)</a:t>
-            </a:r>
-            <a:endParaRPr lang="en-US" dirty="0" smtClean="0">
-              <a:effectLst/>
-            </a:endParaRPr>
-          </a:p>
-        </p:txBody>
-      </p:sp>
+            <a:r>
+              <a:rPr lang="en-US" dirty="0" smtClean="0"/>
+              <a:t>Training model, update</a:t>
+            </a:r>
+          </a:p>
+          <a:p>
+            <a:r>
+              <a:rPr lang="en-US" dirty="0" smtClean="0"/>
+              <a:t>Ground truth </a:t>
+            </a:r>
+          </a:p>
+          <a:p>
+            <a:r>
+              <a:rPr lang="en-US" dirty="0" smtClean="0"/>
+              <a:t>Human annotators</a:t>
+            </a:r>
+          </a:p>
+          <a:p>
+            <a:r>
+              <a:rPr lang="en-US" dirty="0" smtClean="0"/>
+              <a:t>Example (from Lee,2011):</a:t>
+            </a:r>
+          </a:p>
+          <a:p>
+            <a:endParaRPr lang="en-US" dirty="0" smtClean="0"/>
+          </a:p>
+          <a:p>
+            <a:endParaRPr lang="en-US" dirty="0" smtClean="0"/>
+          </a:p>
+          <a:p>
+            <a:endParaRPr lang="en-US" dirty="0"/>
+          </a:p>
+        </p:txBody>
+      </p:sp>
+      <p:pic>
+        <p:nvPicPr>
+          <p:cNvPr id="7" name="Content Placeholder 6" descr="4641828205_077506729b_z.jpg"/>
+          <p:cNvPicPr>
+            <a:picLocks noGrp="1" noChangeAspect="1"/>
+          </p:cNvPicPr>
+          <p:nvPr>
+            <p:ph sz="half" idx="2"/>
+          </p:nvPr>
+        </p:nvPicPr>
+        <p:blipFill rotWithShape="1">
+          <a:blip r:embed="rId3">
+            <a:extLst>
+              <a:ext uri="{28A0092B-C50C-407E-A947-70E740481C1C}">
+                <a14:useLocalDpi xmlns:a14="http://schemas.microsoft.com/office/drawing/2010/main" val="0"/>
+              </a:ext>
+            </a:extLst>
+          </a:blip>
+          <a:srcRect l="16807" t="-23005" r="8461" b="-12432"/>
+          <a:stretch/>
+        </p:blipFill>
+        <p:spPr/>
+      </p:pic>
+      <p:pic>
+        <p:nvPicPr>
+          <p:cNvPr id="8" name="Picture 7" descr="System Drive:Users:maru:Desktop:Screen Shot 2014-10-21 at 6.17.57 PM.png"/>
+          <p:cNvPicPr/>
+          <p:nvPr/>
+        </p:nvPicPr>
+        <p:blipFill>
+          <a:blip r:embed="rId4">
+            <a:extLst>
+              <a:ext uri="{28A0092B-C50C-407E-A947-70E740481C1C}">
+                <a14:useLocalDpi xmlns:a14="http://schemas.microsoft.com/office/drawing/2010/main" val="0"/>
+              </a:ext>
+            </a:extLst>
+          </a:blip>
+          <a:srcRect/>
+          <a:stretch>
+            <a:fillRect/>
+          </a:stretch>
+        </p:blipFill>
+        <p:spPr bwMode="auto">
+          <a:xfrm>
+            <a:off x="634590" y="4247572"/>
+            <a:ext cx="3495018" cy="1174875"/>
+          </a:xfrm>
+          <a:prstGeom prst="rect">
+            <a:avLst/>
+          </a:prstGeom>
+          <a:noFill/>
+          <a:ln>
+            <a:noFill/>
+          </a:ln>
+        </p:spPr>
+      </p:pic>
     </p:spTree>
     <p:extLst>
       <p:ext uri="{BB962C8B-B14F-4D97-AF65-F5344CB8AC3E}">
-        <p14:creationId xmlns:p14="http://schemas.microsoft.com/office/powerpoint/2010/main" val="2636681747"/>
+        <p14:creationId xmlns:p14="http://schemas.microsoft.com/office/powerpoint/2010/main" val="2847644141"/>
       </p:ext>
     </p:extLst>
   </p:cSld>
@@ -3545,14 +5079,486 @@
         </p:nvSpPr>
         <p:spPr/>
         <p:txBody>
-          <a:bodyPr>
-            <a:normAutofit/>
+          <a:bodyPr/>
+          <a:lstStyle/>
+          <a:p>
+            <a:r>
+              <a:rPr lang="en-US" dirty="0" smtClean="0"/>
+              <a:t>The Method</a:t>
+            </a:r>
+            <a:endParaRPr lang="en-US" dirty="0"/>
+          </a:p>
+        </p:txBody>
+      </p:sp>
+      <p:pic>
+        <p:nvPicPr>
+          <p:cNvPr id="19" name="Content Placeholder 18" descr="Screen Shot 2014-10-21 at 7.17.11 PM.png"/>
+          <p:cNvPicPr>
+            <a:picLocks noGrp="1" noChangeAspect="1"/>
+          </p:cNvPicPr>
+          <p:nvPr>
+            <p:ph idx="1"/>
+          </p:nvPr>
+        </p:nvPicPr>
+        <p:blipFill>
+          <a:blip r:embed="rId2">
+            <a:extLst>
+              <a:ext uri="{28A0092B-C50C-407E-A947-70E740481C1C}">
+                <a14:useLocalDpi xmlns:a14="http://schemas.microsoft.com/office/drawing/2010/main" val="0"/>
+              </a:ext>
+            </a:extLst>
+          </a:blip>
+          <a:srcRect t="-17249" b="-17249"/>
+          <a:stretch>
+            <a:fillRect/>
+          </a:stretch>
+        </p:blipFill>
+        <p:spPr>
+          <a:xfrm>
+            <a:off x="2427274" y="1358338"/>
+            <a:ext cx="3432026" cy="1887482"/>
+          </a:xfrm>
+        </p:spPr>
+      </p:pic>
+      <p:pic>
+        <p:nvPicPr>
+          <p:cNvPr id="4" name="Picture 2" descr="C:\Users\mramire8\AppData\Local\Microsoft\Windows\Temporary Internet Files\Content.IE5\1U31801Z\MC900445732[1].wmf"/>
+          <p:cNvPicPr>
+            <a:picLocks noChangeAspect="1" noChangeArrowheads="1"/>
+          </p:cNvPicPr>
+          <p:nvPr/>
+        </p:nvPicPr>
+        <p:blipFill>
+          <a:blip r:embed="rId3" cstate="print">
+            <a:extLst>
+              <a:ext uri="{28A0092B-C50C-407E-A947-70E740481C1C}">
+                <a14:useLocalDpi xmlns:a14="http://schemas.microsoft.com/office/drawing/2010/main" val="0"/>
+              </a:ext>
+            </a:extLst>
+          </a:blip>
+          <a:srcRect/>
+          <a:stretch>
+            <a:fillRect/>
+          </a:stretch>
+        </p:blipFill>
+        <p:spPr bwMode="auto">
+          <a:xfrm>
+            <a:off x="1440356" y="3291954"/>
+            <a:ext cx="1948748" cy="1639215"/>
+          </a:xfrm>
+          <a:prstGeom prst="rect">
+            <a:avLst/>
+          </a:prstGeom>
+          <a:noFill/>
+          <a:extLst>
+            <a:ext uri="{909E8E84-426E-40dd-AFC4-6F175D3DCCD1}">
+              <a14:hiddenFill xmlns:a14="http://schemas.microsoft.com/office/drawing/2010/main">
+                <a:solidFill>
+                  <a:srgbClr val="FFFFFF"/>
+                </a:solidFill>
+              </a14:hiddenFill>
+            </a:ext>
+          </a:extLst>
+        </p:spPr>
+      </p:pic>
+      <p:pic>
+        <p:nvPicPr>
+          <p:cNvPr id="5" name="Picture 4" descr="C:\Users\mramire8\AppData\Local\Microsoft\Windows\Temporary Internet Files\Content.IE5\1I9JSO8A\MC900446304[1].wmf"/>
+          <p:cNvPicPr>
+            <a:picLocks noChangeAspect="1" noChangeArrowheads="1"/>
+          </p:cNvPicPr>
+          <p:nvPr/>
+        </p:nvPicPr>
+        <p:blipFill>
+          <a:blip r:embed="rId4" cstate="print">
+            <a:extLst>
+              <a:ext uri="{28A0092B-C50C-407E-A947-70E740481C1C}">
+                <a14:useLocalDpi xmlns:a14="http://schemas.microsoft.com/office/drawing/2010/main" val="0"/>
+              </a:ext>
+            </a:extLst>
+          </a:blip>
+          <a:srcRect/>
+          <a:stretch>
+            <a:fillRect/>
+          </a:stretch>
+        </p:blipFill>
+        <p:spPr bwMode="auto">
+          <a:xfrm>
+            <a:off x="5859300" y="3138858"/>
+            <a:ext cx="2578317" cy="1937157"/>
+          </a:xfrm>
+          <a:prstGeom prst="rect">
+            <a:avLst/>
+          </a:prstGeom>
+          <a:noFill/>
+          <a:extLst>
+            <a:ext uri="{909E8E84-426E-40dd-AFC4-6F175D3DCCD1}">
+              <a14:hiddenFill xmlns:a14="http://schemas.microsoft.com/office/drawing/2010/main">
+                <a:solidFill>
+                  <a:srgbClr val="FFFFFF"/>
+                </a:solidFill>
+              </a14:hiddenFill>
+            </a:ext>
+          </a:extLst>
+        </p:spPr>
+      </p:pic>
+      <p:sp>
+        <p:nvSpPr>
+          <p:cNvPr id="6" name="Striped Right Arrow 5"/>
+          <p:cNvSpPr/>
+          <p:nvPr/>
+        </p:nvSpPr>
+        <p:spPr>
+          <a:xfrm>
+            <a:off x="3650156" y="3138949"/>
+            <a:ext cx="1752600" cy="306009"/>
+          </a:xfrm>
+          <a:prstGeom prst="stripedRightArrow">
+            <a:avLst>
+              <a:gd name="adj1" fmla="val 38395"/>
+              <a:gd name="adj2" fmla="val 73209"/>
+            </a:avLst>
+          </a:prstGeom>
+        </p:spPr>
+        <p:style>
+          <a:lnRef idx="2">
+            <a:schemeClr val="accent1">
+              <a:shade val="50000"/>
+            </a:schemeClr>
+          </a:lnRef>
+          <a:fillRef idx="1">
+            <a:schemeClr val="accent1"/>
+          </a:fillRef>
+          <a:effectRef idx="0">
+            <a:schemeClr val="accent1"/>
+          </a:effectRef>
+          <a:fontRef idx="minor">
+            <a:schemeClr val="lt1"/>
+          </a:fontRef>
+        </p:style>
+        <p:txBody>
+          <a:bodyPr rtlCol="0" anchor="ctr"/>
+          <a:lstStyle/>
+          <a:p>
+            <a:pPr algn="ctr"/>
+            <a:endParaRPr lang="en-US"/>
+          </a:p>
+        </p:txBody>
+      </p:sp>
+      <p:sp>
+        <p:nvSpPr>
+          <p:cNvPr id="7" name="Striped Right Arrow 6"/>
+          <p:cNvSpPr/>
+          <p:nvPr/>
+        </p:nvSpPr>
+        <p:spPr>
+          <a:xfrm flipH="1">
+            <a:off x="3650156" y="4778164"/>
+            <a:ext cx="1752600" cy="306009"/>
+          </a:xfrm>
+          <a:prstGeom prst="stripedRightArrow">
+            <a:avLst>
+              <a:gd name="adj1" fmla="val 38395"/>
+              <a:gd name="adj2" fmla="val 73209"/>
+            </a:avLst>
+          </a:prstGeom>
+        </p:spPr>
+        <p:style>
+          <a:lnRef idx="2">
+            <a:schemeClr val="accent1">
+              <a:shade val="50000"/>
+            </a:schemeClr>
+          </a:lnRef>
+          <a:fillRef idx="1">
+            <a:schemeClr val="accent1"/>
+          </a:fillRef>
+          <a:effectRef idx="0">
+            <a:schemeClr val="accent1"/>
+          </a:effectRef>
+          <a:fontRef idx="minor">
+            <a:schemeClr val="lt1"/>
+          </a:fontRef>
+        </p:style>
+        <p:txBody>
+          <a:bodyPr rtlCol="0" anchor="ctr"/>
+          <a:lstStyle/>
+          <a:p>
+            <a:pPr algn="ctr"/>
+            <a:endParaRPr lang="en-US"/>
+          </a:p>
+        </p:txBody>
+      </p:sp>
+      <p:sp>
+        <p:nvSpPr>
+          <p:cNvPr id="8" name="Flowchart: Magnetic Disk 9"/>
+          <p:cNvSpPr/>
+          <p:nvPr/>
+        </p:nvSpPr>
+        <p:spPr>
+          <a:xfrm>
+            <a:off x="730845" y="3645769"/>
+            <a:ext cx="457200" cy="666603"/>
+          </a:xfrm>
+          <a:prstGeom prst="flowChartMagneticDisk">
+            <a:avLst/>
+          </a:prstGeom>
+          <a:ln>
+            <a:solidFill>
+              <a:schemeClr val="accent6">
+                <a:lumMod val="50000"/>
+              </a:schemeClr>
+            </a:solidFill>
+          </a:ln>
+        </p:spPr>
+        <p:style>
+          <a:lnRef idx="0">
+            <a:schemeClr val="accent6"/>
+          </a:lnRef>
+          <a:fillRef idx="3">
+            <a:schemeClr val="accent6"/>
+          </a:fillRef>
+          <a:effectRef idx="3">
+            <a:schemeClr val="accent6"/>
+          </a:effectRef>
+          <a:fontRef idx="minor">
+            <a:schemeClr val="lt1"/>
+          </a:fontRef>
+        </p:style>
+        <p:txBody>
+          <a:bodyPr rtlCol="0" anchor="ctr"/>
+          <a:lstStyle/>
+          <a:p>
+            <a:pPr algn="ctr"/>
+            <a:r>
+              <a:rPr lang="en-US" sz="2400" dirty="0" smtClean="0">
+                <a:latin typeface="Brush Script MT" panose="03060802040406070304" pitchFamily="66" charset="0"/>
+              </a:rPr>
+              <a:t>U</a:t>
+            </a:r>
+            <a:endParaRPr lang="en-US" dirty="0">
+              <a:latin typeface="Brush Script MT" panose="03060802040406070304" pitchFamily="66" charset="0"/>
+            </a:endParaRPr>
+          </a:p>
+        </p:txBody>
+      </p:sp>
+      <p:sp>
+        <p:nvSpPr>
+          <p:cNvPr id="9" name="Flowchart: Magnetic Disk 10"/>
+          <p:cNvSpPr/>
+          <p:nvPr/>
+        </p:nvSpPr>
+        <p:spPr>
+          <a:xfrm>
+            <a:off x="729327" y="4910408"/>
+            <a:ext cx="457200" cy="666603"/>
+          </a:xfrm>
+          <a:prstGeom prst="flowChartMagneticDisk">
+            <a:avLst/>
+          </a:prstGeom>
+          <a:ln>
+            <a:solidFill>
+              <a:schemeClr val="tx2"/>
+            </a:solidFill>
+          </a:ln>
+        </p:spPr>
+        <p:style>
+          <a:lnRef idx="0">
+            <a:schemeClr val="accent5"/>
+          </a:lnRef>
+          <a:fillRef idx="3">
+            <a:schemeClr val="accent5"/>
+          </a:fillRef>
+          <a:effectRef idx="3">
+            <a:schemeClr val="accent5"/>
+          </a:effectRef>
+          <a:fontRef idx="minor">
+            <a:schemeClr val="lt1"/>
+          </a:fontRef>
+        </p:style>
+        <p:txBody>
+          <a:bodyPr rtlCol="0" anchor="ctr"/>
+          <a:lstStyle/>
+          <a:p>
+            <a:pPr algn="ctr"/>
+            <a:r>
+              <a:rPr lang="en-US" sz="2400" dirty="0" smtClean="0">
+                <a:latin typeface="Brush Script MT" panose="03060802040406070304" pitchFamily="66" charset="0"/>
+              </a:rPr>
+              <a:t>L</a:t>
+            </a:r>
+            <a:endParaRPr lang="en-US" dirty="0">
+              <a:latin typeface="Brush Script MT" panose="03060802040406070304" pitchFamily="66" charset="0"/>
+            </a:endParaRPr>
+          </a:p>
+        </p:txBody>
+      </p:sp>
+      <p:sp>
+        <p:nvSpPr>
+          <p:cNvPr id="10" name="Rectangle 9"/>
+          <p:cNvSpPr/>
+          <p:nvPr/>
+        </p:nvSpPr>
+        <p:spPr>
+          <a:xfrm>
+            <a:off x="4310258" y="3645769"/>
+            <a:ext cx="535648" cy="923330"/>
+          </a:xfrm>
+          <a:prstGeom prst="rect">
+            <a:avLst/>
+          </a:prstGeom>
+          <a:noFill/>
+        </p:spPr>
+        <p:txBody>
+          <a:bodyPr wrap="none" lIns="91440" tIns="45720" rIns="91440" bIns="45720">
+            <a:spAutoFit/>
+            <a:scene3d>
+              <a:camera prst="orthographicFront"/>
+              <a:lightRig rig="flat" dir="tl">
+                <a:rot lat="0" lon="0" rev="6600000"/>
+              </a:lightRig>
+            </a:scene3d>
+            <a:sp3d extrusionH="25400" contourW="8890">
+              <a:bevelT w="38100" h="31750"/>
+              <a:contourClr>
+                <a:schemeClr val="accent2">
+                  <a:shade val="75000"/>
+                </a:schemeClr>
+              </a:contourClr>
+            </a:sp3d>
           </a:bodyPr>
           <a:lstStyle/>
           <a:p>
+            <a:pPr algn="ctr"/>
+            <a:r>
+              <a:rPr lang="en-US" sz="5400" b="1" dirty="0" smtClean="0">
+                <a:ln w="11430"/>
+                <a:gradFill>
+                  <a:gsLst>
+                    <a:gs pos="0">
+                      <a:schemeClr val="accent2">
+                        <a:tint val="70000"/>
+                        <a:satMod val="245000"/>
+                      </a:schemeClr>
+                    </a:gs>
+                    <a:gs pos="75000">
+                      <a:schemeClr val="accent2">
+                        <a:tint val="90000"/>
+                        <a:shade val="60000"/>
+                        <a:satMod val="240000"/>
+                      </a:schemeClr>
+                    </a:gs>
+                    <a:gs pos="100000">
+                      <a:schemeClr val="accent2">
+                        <a:tint val="100000"/>
+                        <a:shade val="50000"/>
+                        <a:satMod val="240000"/>
+                      </a:schemeClr>
+                    </a:gs>
+                  </a:gsLst>
+                  <a:lin ang="5400000"/>
+                </a:gradFill>
+                <a:effectLst>
+                  <a:outerShdw blurRad="50800" dist="39000" dir="5460000" algn="tl">
+                    <a:srgbClr val="000000">
+                      <a:alpha val="38000"/>
+                    </a:srgbClr>
+                  </a:outerShdw>
+                </a:effectLst>
+              </a:rPr>
+              <a:t>$</a:t>
+            </a:r>
+            <a:endParaRPr lang="en-US" sz="5400" b="1" dirty="0">
+              <a:ln w="11430"/>
+              <a:gradFill>
+                <a:gsLst>
+                  <a:gs pos="0">
+                    <a:schemeClr val="accent2">
+                      <a:tint val="70000"/>
+                      <a:satMod val="245000"/>
+                    </a:schemeClr>
+                  </a:gs>
+                  <a:gs pos="75000">
+                    <a:schemeClr val="accent2">
+                      <a:tint val="90000"/>
+                      <a:shade val="60000"/>
+                      <a:satMod val="240000"/>
+                    </a:schemeClr>
+                  </a:gs>
+                  <a:gs pos="100000">
+                    <a:schemeClr val="accent2">
+                      <a:tint val="100000"/>
+                      <a:shade val="50000"/>
+                      <a:satMod val="240000"/>
+                    </a:schemeClr>
+                  </a:gs>
+                </a:gsLst>
+                <a:lin ang="5400000"/>
+              </a:gradFill>
+              <a:effectLst>
+                <a:outerShdw blurRad="50800" dist="39000" dir="5460000" algn="tl">
+                  <a:srgbClr val="000000">
+                    <a:alpha val="38000"/>
+                  </a:srgbClr>
+                </a:outerShdw>
+              </a:effectLst>
+            </a:endParaRPr>
+          </a:p>
+        </p:txBody>
+      </p:sp>
+      <p:sp>
+        <p:nvSpPr>
+          <p:cNvPr id="11" name="TextBox 10"/>
+          <p:cNvSpPr txBox="1"/>
+          <p:nvPr/>
+        </p:nvSpPr>
+        <p:spPr>
+          <a:xfrm>
+            <a:off x="6030619" y="5273443"/>
+            <a:ext cx="791277" cy="369332"/>
+          </a:xfrm>
+          <a:prstGeom prst="rect">
+            <a:avLst/>
+          </a:prstGeom>
+          <a:noFill/>
+        </p:spPr>
+        <p:txBody>
+          <a:bodyPr wrap="none" rtlCol="0">
+            <a:spAutoFit/>
+          </a:bodyPr>
+          <a:lstStyle/>
+          <a:p>
             <a:r>
               <a:rPr lang="en-US" dirty="0" smtClean="0"/>
-              <a:t>Related Work</a:t>
+              <a:t>Expert</a:t>
+            </a:r>
+          </a:p>
+        </p:txBody>
+      </p:sp>
+      <p:sp>
+        <p:nvSpPr>
+          <p:cNvPr id="12" name="TextBox 11"/>
+          <p:cNvSpPr txBox="1"/>
+          <p:nvPr/>
+        </p:nvSpPr>
+        <p:spPr>
+          <a:xfrm>
+            <a:off x="2062885" y="5273443"/>
+            <a:ext cx="904214" cy="369332"/>
+          </a:xfrm>
+          <a:prstGeom prst="rect">
+            <a:avLst/>
+          </a:prstGeom>
+          <a:noFill/>
+        </p:spPr>
+        <p:txBody>
+          <a:bodyPr wrap="none" rtlCol="0">
+            <a:spAutoFit/>
+          </a:bodyPr>
+          <a:lstStyle/>
+          <a:p>
+            <a:r>
+              <a:rPr lang="en-US" dirty="0" smtClean="0"/>
+              <a:t>Learner</a:t>
             </a:r>
             <a:endParaRPr lang="en-US" dirty="0"/>
           </a:p>
@@ -3560,64 +5566,285 @@
       </p:sp>
       <p:sp>
         <p:nvSpPr>
-          <p:cNvPr id="3" name="Content Placeholder 2"/>
-          <p:cNvSpPr>
-            <a:spLocks noGrp="1"/>
-          </p:cNvSpPr>
-          <p:nvPr>
-            <p:ph idx="1"/>
-          </p:nvPr>
-        </p:nvSpPr>
-        <p:spPr/>
-        <p:txBody>
-          <a:bodyPr/>
-          <a:lstStyle/>
-          <a:p>
-            <a:pPr marL="342900" marR="0" indent="-342900" algn="l" defTabSz="457200" rtl="0" eaLnBrk="1" fontAlgn="auto" latinLnBrk="0" hangingPunct="1">
-              <a:lnSpc>
-                <a:spcPct val="100000"/>
-              </a:lnSpc>
-              <a:spcBef>
-                <a:spcPct val="20000"/>
-              </a:spcBef>
-              <a:spcAft>
-                <a:spcPts val="0"/>
-              </a:spcAft>
-              <a:buClrTx/>
-              <a:buSzTx/>
-              <a:buFont typeface="Arial"/>
-              <a:buChar char="•"/>
-              <a:tabLst/>
-              <a:defRPr/>
-            </a:pPr>
-            <a:r>
-              <a:rPr lang="en-US" sz="3200" kern="1200" dirty="0" smtClean="0">
-                <a:solidFill>
-                  <a:schemeClr val="tx1"/>
-                </a:solidFill>
-                <a:effectLst/>
-                <a:latin typeface="+mn-lt"/>
-                <a:ea typeface="+mn-ea"/>
-                <a:cs typeface="+mn-cs"/>
-              </a:rPr>
-              <a:t>Description of how your project is similar to and different from related work</a:t>
-            </a:r>
-            <a:endParaRPr lang="en-US" dirty="0" smtClean="0">
-              <a:effectLst/>
-            </a:endParaRPr>
+          <p:cNvPr id="13" name="TextBox 12"/>
+          <p:cNvSpPr txBox="1"/>
+          <p:nvPr/>
+        </p:nvSpPr>
+        <p:spPr>
+          <a:xfrm>
+            <a:off x="585204" y="4345677"/>
+            <a:ext cx="709512" cy="307777"/>
+          </a:xfrm>
+          <a:prstGeom prst="rect">
+            <a:avLst/>
+          </a:prstGeom>
+          <a:noFill/>
+        </p:spPr>
+        <p:txBody>
+          <a:bodyPr wrap="none" rtlCol="0">
+            <a:spAutoFit/>
+          </a:bodyPr>
+          <a:lstStyle/>
+          <a:p>
+            <a:r>
+              <a:rPr lang="en-US" sz="1400" dirty="0" smtClean="0"/>
+              <a:t>Tweets</a:t>
+            </a:r>
+            <a:endParaRPr lang="en-US" sz="1400" dirty="0"/>
+          </a:p>
+        </p:txBody>
+      </p:sp>
+      <p:sp>
+        <p:nvSpPr>
+          <p:cNvPr id="14" name="TextBox 13"/>
+          <p:cNvSpPr txBox="1"/>
+          <p:nvPr/>
+        </p:nvSpPr>
+        <p:spPr>
+          <a:xfrm>
+            <a:off x="553216" y="5593498"/>
+            <a:ext cx="754659" cy="307777"/>
+          </a:xfrm>
+          <a:prstGeom prst="rect">
+            <a:avLst/>
+          </a:prstGeom>
+          <a:noFill/>
+        </p:spPr>
+        <p:txBody>
+          <a:bodyPr wrap="none" rtlCol="0">
+            <a:spAutoFit/>
+          </a:bodyPr>
+          <a:lstStyle/>
+          <a:p>
+            <a:r>
+              <a:rPr lang="en-US" sz="1400" dirty="0" smtClean="0"/>
+              <a:t>Labeled</a:t>
+            </a:r>
+            <a:endParaRPr lang="en-US" sz="1400" dirty="0"/>
+          </a:p>
+        </p:txBody>
+      </p:sp>
+      <p:sp>
+        <p:nvSpPr>
+          <p:cNvPr id="16" name="TextBox 15"/>
+          <p:cNvSpPr txBox="1"/>
+          <p:nvPr/>
+        </p:nvSpPr>
+        <p:spPr>
+          <a:xfrm>
+            <a:off x="5831323" y="1978913"/>
+            <a:ext cx="1039242" cy="646331"/>
+          </a:xfrm>
+          <a:prstGeom prst="rect">
+            <a:avLst/>
+          </a:prstGeom>
+          <a:noFill/>
+        </p:spPr>
+        <p:txBody>
+          <a:bodyPr wrap="none" rtlCol="0">
+            <a:spAutoFit/>
+          </a:bodyPr>
+          <a:lstStyle/>
+          <a:p>
+            <a:r>
+              <a:rPr lang="en-US" sz="3600" dirty="0" smtClean="0"/>
+              <a:t>bot?</a:t>
+            </a:r>
+            <a:endParaRPr lang="en-US" sz="3600" dirty="0"/>
+          </a:p>
+        </p:txBody>
+      </p:sp>
+      <p:sp>
+        <p:nvSpPr>
+          <p:cNvPr id="17" name="TextBox 16"/>
+          <p:cNvSpPr txBox="1"/>
+          <p:nvPr/>
+        </p:nvSpPr>
+        <p:spPr>
+          <a:xfrm>
+            <a:off x="3950349" y="5123831"/>
+            <a:ext cx="1238565" cy="523220"/>
+          </a:xfrm>
+          <a:prstGeom prst="rect">
+            <a:avLst/>
+          </a:prstGeom>
+          <a:noFill/>
+        </p:spPr>
+        <p:txBody>
+          <a:bodyPr wrap="none" rtlCol="0">
+            <a:spAutoFit/>
+          </a:bodyPr>
+          <a:lstStyle/>
+          <a:p>
+            <a:r>
+              <a:rPr lang="en-US" sz="2800" dirty="0" smtClean="0"/>
+              <a:t>Yes/No</a:t>
+            </a:r>
+            <a:endParaRPr lang="en-US" sz="2800" dirty="0"/>
           </a:p>
         </p:txBody>
       </p:sp>
     </p:spTree>
     <p:extLst>
       <p:ext uri="{BB962C8B-B14F-4D97-AF65-F5344CB8AC3E}">
-        <p14:creationId xmlns:p14="http://schemas.microsoft.com/office/powerpoint/2010/main" val="2026480241"/>
+        <p14:creationId xmlns:p14="http://schemas.microsoft.com/office/powerpoint/2010/main" val="2220490916"/>
       </p:ext>
     </p:extLst>
   </p:cSld>
   <p:clrMapOvr>
     <a:masterClrMapping/>
   </p:clrMapOvr>
+  <p:timing>
+    <p:tnLst>
+      <p:par>
+        <p:cTn xmlns:p14="http://schemas.microsoft.com/office/powerpoint/2010/main" id="1" dur="indefinite" restart="never" nodeType="tmRoot">
+          <p:childTnLst>
+            <p:seq concurrent="1" nextAc="seek">
+              <p:cTn id="2" dur="indefinite" nodeType="mainSeq">
+                <p:childTnLst>
+                  <p:par>
+                    <p:cTn id="3" fill="hold">
+                      <p:stCondLst>
+                        <p:cond delay="indefinite"/>
+                      </p:stCondLst>
+                      <p:childTnLst>
+                        <p:par>
+                          <p:cTn id="4" fill="hold">
+                            <p:stCondLst>
+                              <p:cond delay="0"/>
+                            </p:stCondLst>
+                            <p:childTnLst>
+                              <p:par>
+                                <p:cTn id="5" presetID="1" presetClass="entr" presetSubtype="0" fill="hold" nodeType="clickEffect">
+                                  <p:stCondLst>
+                                    <p:cond delay="0"/>
+                                  </p:stCondLst>
+                                  <p:childTnLst>
+                                    <p:set>
+                                      <p:cBhvr>
+                                        <p:cTn id="6" dur="1" fill="hold">
+                                          <p:stCondLst>
+                                            <p:cond delay="0"/>
+                                          </p:stCondLst>
+                                        </p:cTn>
+                                        <p:tgtEl>
+                                          <p:spTgt spid="19"/>
+                                        </p:tgtEl>
+                                        <p:attrNameLst>
+                                          <p:attrName>style.visibility</p:attrName>
+                                        </p:attrNameLst>
+                                      </p:cBhvr>
+                                      <p:to>
+                                        <p:strVal val="visible"/>
+                                      </p:to>
+                                    </p:set>
+                                  </p:childTnLst>
+                                </p:cTn>
+                              </p:par>
+                              <p:par>
+                                <p:cTn id="7" presetID="1" presetClass="entr" presetSubtype="0" fill="hold" grpId="0" nodeType="withEffect">
+                                  <p:stCondLst>
+                                    <p:cond delay="0"/>
+                                  </p:stCondLst>
+                                  <p:childTnLst>
+                                    <p:set>
+                                      <p:cBhvr>
+                                        <p:cTn id="8" dur="1" fill="hold">
+                                          <p:stCondLst>
+                                            <p:cond delay="0"/>
+                                          </p:stCondLst>
+                                        </p:cTn>
+                                        <p:tgtEl>
+                                          <p:spTgt spid="16"/>
+                                        </p:tgtEl>
+                                        <p:attrNameLst>
+                                          <p:attrName>style.visibility</p:attrName>
+                                        </p:attrNameLst>
+                                      </p:cBhvr>
+                                      <p:to>
+                                        <p:strVal val="visible"/>
+                                      </p:to>
+                                    </p:set>
+                                  </p:childTnLst>
+                                </p:cTn>
+                              </p:par>
+                            </p:childTnLst>
+                          </p:cTn>
+                        </p:par>
+                      </p:childTnLst>
+                    </p:cTn>
+                  </p:par>
+                  <p:par>
+                    <p:cTn id="9" fill="hold">
+                      <p:stCondLst>
+                        <p:cond delay="indefinite"/>
+                      </p:stCondLst>
+                      <p:childTnLst>
+                        <p:par>
+                          <p:cTn id="10" fill="hold">
+                            <p:stCondLst>
+                              <p:cond delay="0"/>
+                            </p:stCondLst>
+                            <p:childTnLst>
+                              <p:par>
+                                <p:cTn id="11" presetID="1" presetClass="entr" presetSubtype="0" fill="hold" grpId="0" nodeType="clickEffect">
+                                  <p:stCondLst>
+                                    <p:cond delay="0"/>
+                                  </p:stCondLst>
+                                  <p:childTnLst>
+                                    <p:set>
+                                      <p:cBhvr>
+                                        <p:cTn id="12" dur="1" fill="hold">
+                                          <p:stCondLst>
+                                            <p:cond delay="0"/>
+                                          </p:stCondLst>
+                                        </p:cTn>
+                                        <p:tgtEl>
+                                          <p:spTgt spid="17"/>
+                                        </p:tgtEl>
+                                        <p:attrNameLst>
+                                          <p:attrName>style.visibility</p:attrName>
+                                        </p:attrNameLst>
+                                      </p:cBhvr>
+                                      <p:to>
+                                        <p:strVal val="visible"/>
+                                      </p:to>
+                                    </p:set>
+                                  </p:childTnLst>
+                                </p:cTn>
+                              </p:par>
+                            </p:childTnLst>
+                          </p:cTn>
+                        </p:par>
+                      </p:childTnLst>
+                    </p:cTn>
+                  </p:par>
+                </p:childTnLst>
+              </p:cTn>
+              <p:prevCondLst>
+                <p:cond evt="onPrev" delay="0">
+                  <p:tgtEl>
+                    <p:sldTgt/>
+                  </p:tgtEl>
+                </p:cond>
+              </p:prevCondLst>
+              <p:nextCondLst>
+                <p:cond evt="onNext" delay="0">
+                  <p:tgtEl>
+                    <p:sldTgt/>
+                  </p:tgtEl>
+                </p:cond>
+              </p:nextCondLst>
+            </p:seq>
+          </p:childTnLst>
+        </p:cTn>
+      </p:par>
+    </p:tnLst>
+    <p:bldLst>
+      <p:bldP spid="16" grpId="0"/>
+      <p:bldP spid="17" grpId="0"/>
+    </p:bldLst>
+  </p:timing>
 </p:sld>
 </file>
 
@@ -3654,29 +5881,6 @@
           <a:lstStyle/>
           <a:p>
             <a:r>
-              <a:rPr lang="en-US" smtClean="0"/>
-              <a:t>Timeline</a:t>
-            </a:r>
-            <a:endParaRPr lang="en-US" dirty="0"/>
-          </a:p>
-        </p:txBody>
-      </p:sp>
-      <p:sp>
-        <p:nvSpPr>
-          <p:cNvPr id="3" name="Content Placeholder 2"/>
-          <p:cNvSpPr>
-            <a:spLocks noGrp="1"/>
-          </p:cNvSpPr>
-          <p:nvPr>
-            <p:ph idx="1"/>
-          </p:nvPr>
-        </p:nvSpPr>
-        <p:spPr/>
-        <p:txBody>
-          <a:bodyPr/>
-          <a:lstStyle/>
-          <a:p>
-            <a:r>
               <a:rPr lang="en-US" sz="4400" kern="1200" dirty="0" smtClean="0">
                 <a:solidFill>
                   <a:schemeClr val="tx1"/>
@@ -3685,7 +5889,63 @@
                 <a:ea typeface="+mj-ea"/>
                 <a:cs typeface="+mj-cs"/>
               </a:rPr>
-              <a:t>A timeline for the remaining work. For teams, indicate who will do what.</a:t>
+              <a:t>The Method</a:t>
+            </a:r>
+            <a:endParaRPr lang="en-US" dirty="0"/>
+          </a:p>
+        </p:txBody>
+      </p:sp>
+      <p:sp>
+        <p:nvSpPr>
+          <p:cNvPr id="3" name="Content Placeholder 2"/>
+          <p:cNvSpPr>
+            <a:spLocks noGrp="1"/>
+          </p:cNvSpPr>
+          <p:nvPr>
+            <p:ph idx="1"/>
+          </p:nvPr>
+        </p:nvSpPr>
+        <p:spPr/>
+        <p:txBody>
+          <a:bodyPr>
+            <a:normAutofit/>
+          </a:bodyPr>
+          <a:lstStyle/>
+          <a:p>
+            <a:r>
+              <a:rPr lang="en-US" dirty="0" smtClean="0"/>
+              <a:t>Active learning*</a:t>
+            </a:r>
+          </a:p>
+          <a:p>
+            <a:r>
+              <a:rPr lang="en-US" dirty="0" smtClean="0"/>
+              <a:t>Evaluation: </a:t>
+            </a:r>
+          </a:p>
+          <a:p>
+            <a:pPr lvl="1"/>
+            <a:r>
+              <a:rPr lang="en-US" dirty="0" smtClean="0"/>
+              <a:t>Train-test split</a:t>
+            </a:r>
+          </a:p>
+          <a:p>
+            <a:pPr lvl="1"/>
+            <a:r>
+              <a:rPr lang="en-US" dirty="0" smtClean="0"/>
+              <a:t>10 trials</a:t>
+            </a:r>
+          </a:p>
+          <a:p>
+            <a:pPr lvl="1"/>
+            <a:r>
+              <a:rPr lang="en-US" dirty="0" smtClean="0"/>
+              <a:t>Measures: </a:t>
+            </a:r>
+            <a:r>
+              <a:rPr lang="en-US" dirty="0" smtClean="0"/>
+              <a:t>accuracy, precision, recall</a:t>
             </a:r>
             <a:endParaRPr lang="en-US" dirty="0"/>
           </a:p>
@@ -3694,7 +5954,400 @@
     </p:spTree>
     <p:extLst>
       <p:ext uri="{BB962C8B-B14F-4D97-AF65-F5344CB8AC3E}">
-        <p14:creationId xmlns:p14="http://schemas.microsoft.com/office/powerpoint/2010/main" val="1275955173"/>
+        <p14:creationId xmlns:p14="http://schemas.microsoft.com/office/powerpoint/2010/main" val="100562212"/>
+      </p:ext>
+    </p:extLst>
+  </p:cSld>
+  <p:clrMapOvr>
+    <a:masterClrMapping/>
+  </p:clrMapOvr>
+  <p:timing>
+    <p:tnLst>
+      <p:par>
+        <p:cTn xmlns:p14="http://schemas.microsoft.com/office/powerpoint/2010/main" id="1" dur="indefinite" restart="never" nodeType="tmRoot"/>
+      </p:par>
+    </p:tnLst>
+  </p:timing>
+</p:sld>
+</file>
+
+<file path=ppt/slides/slide8.xml><?xml version="1.0" encoding="utf-8"?>
+<p:sld xmlns:a="http://schemas.openxmlformats.org/drawingml/2006/main" xmlns:r="http://schemas.openxmlformats.org/officeDocument/2006/relationships" xmlns:p="http://schemas.openxmlformats.org/presentationml/2006/main">
+  <p:cSld>
+    <p:spTree>
+      <p:nvGrpSpPr>
+        <p:cNvPr id="1" name=""/>
+        <p:cNvGrpSpPr/>
+        <p:nvPr/>
+      </p:nvGrpSpPr>
+      <p:grpSpPr>
+        <a:xfrm>
+          <a:off x="0" y="0"/>
+          <a:ext cx="0" cy="0"/>
+          <a:chOff x="0" y="0"/>
+          <a:chExt cx="0" cy="0"/>
+        </a:xfrm>
+      </p:grpSpPr>
+      <p:sp>
+        <p:nvSpPr>
+          <p:cNvPr id="2" name="Title 1"/>
+          <p:cNvSpPr>
+            <a:spLocks noGrp="1"/>
+          </p:cNvSpPr>
+          <p:nvPr>
+            <p:ph type="title"/>
+          </p:nvPr>
+        </p:nvSpPr>
+        <p:spPr/>
+        <p:txBody>
+          <a:bodyPr>
+            <a:normAutofit/>
+          </a:bodyPr>
+          <a:lstStyle/>
+          <a:p>
+            <a:r>
+              <a:rPr lang="en-US" dirty="0" smtClean="0"/>
+              <a:t>Data</a:t>
+            </a:r>
+            <a:endParaRPr lang="en-US" dirty="0"/>
+          </a:p>
+        </p:txBody>
+      </p:sp>
+      <p:sp>
+        <p:nvSpPr>
+          <p:cNvPr id="3" name="Content Placeholder 2"/>
+          <p:cNvSpPr>
+            <a:spLocks noGrp="1"/>
+          </p:cNvSpPr>
+          <p:nvPr>
+            <p:ph idx="1"/>
+          </p:nvPr>
+        </p:nvSpPr>
+        <p:spPr/>
+        <p:txBody>
+          <a:bodyPr/>
+          <a:lstStyle/>
+          <a:p>
+            <a:pPr marL="342900" marR="0" indent="-342900" algn="l" defTabSz="457200" rtl="0" eaLnBrk="1" fontAlgn="auto" latinLnBrk="0" hangingPunct="1">
+              <a:lnSpc>
+                <a:spcPct val="100000"/>
+              </a:lnSpc>
+              <a:spcBef>
+                <a:spcPct val="20000"/>
+              </a:spcBef>
+              <a:spcAft>
+                <a:spcPts val="0"/>
+              </a:spcAft>
+              <a:buClrTx/>
+              <a:buSzTx/>
+              <a:buFont typeface="Arial"/>
+              <a:buChar char="•"/>
+              <a:tabLst/>
+              <a:defRPr/>
+            </a:pPr>
+            <a:r>
+              <a:rPr lang="en-US" sz="3200" kern="1200" dirty="0" smtClean="0">
+                <a:solidFill>
+                  <a:schemeClr val="tx1"/>
+                </a:solidFill>
+                <a:effectLst/>
+                <a:latin typeface="+mn-lt"/>
+                <a:ea typeface="+mn-ea"/>
+                <a:cs typeface="+mn-cs"/>
+              </a:rPr>
+              <a:t>Collect twitter user data: </a:t>
+            </a:r>
+          </a:p>
+          <a:p>
+            <a:pPr lvl="1" indent="-342900">
+              <a:buFont typeface="Arial"/>
+              <a:buChar char="•"/>
+              <a:defRPr/>
+            </a:pPr>
+            <a:r>
+              <a:rPr lang="en-US" sz="2800" kern="1200" dirty="0" smtClean="0">
+                <a:solidFill>
+                  <a:schemeClr val="tx1"/>
+                </a:solidFill>
+                <a:effectLst/>
+                <a:latin typeface="+mn-lt"/>
+                <a:ea typeface="+mn-ea"/>
+                <a:cs typeface="+mn-cs"/>
+              </a:rPr>
+              <a:t>user profile (name, description</a:t>
+            </a:r>
+            <a:r>
+              <a:rPr lang="en-US" sz="2800" i="1" kern="1200" dirty="0" smtClean="0">
+                <a:solidFill>
+                  <a:schemeClr val="tx1"/>
+                </a:solidFill>
+                <a:effectLst/>
+                <a:latin typeface="+mn-lt"/>
+                <a:ea typeface="+mn-ea"/>
+                <a:cs typeface="+mn-cs"/>
+              </a:rPr>
+              <a:t>, followers, friends</a:t>
+            </a:r>
+            <a:r>
+              <a:rPr lang="en-US" sz="2800" kern="1200" dirty="0" smtClean="0">
+                <a:solidFill>
+                  <a:schemeClr val="tx1"/>
+                </a:solidFill>
+                <a:effectLst/>
+                <a:latin typeface="+mn-lt"/>
+                <a:ea typeface="+mn-ea"/>
+                <a:cs typeface="+mn-cs"/>
+              </a:rPr>
+              <a:t>)</a:t>
+            </a:r>
+          </a:p>
+          <a:p>
+            <a:pPr lvl="1" indent="-342900">
+              <a:buFont typeface="Arial"/>
+              <a:buChar char="•"/>
+              <a:defRPr/>
+            </a:pPr>
+            <a:r>
+              <a:rPr lang="en-US" dirty="0" smtClean="0"/>
+              <a:t>200 most recent tweets (</a:t>
+            </a:r>
+            <a:r>
+              <a:rPr lang="en-US" dirty="0" smtClean="0"/>
+              <a:t>timeline)</a:t>
+            </a:r>
+          </a:p>
+          <a:p>
+            <a:pPr lvl="1" indent="-342900">
+              <a:buFont typeface="Arial"/>
+              <a:buChar char="•"/>
+              <a:defRPr/>
+            </a:pPr>
+            <a:r>
+              <a:rPr lang="en-US" sz="2800" kern="1200" dirty="0" smtClean="0">
+                <a:solidFill>
+                  <a:schemeClr val="tx1"/>
+                </a:solidFill>
+                <a:effectLst/>
+                <a:latin typeface="+mn-lt"/>
+                <a:ea typeface="+mn-ea"/>
+                <a:cs typeface="+mn-cs"/>
+              </a:rPr>
+              <a:t>Collect 1000 user from each type (legit, bots)</a:t>
+            </a:r>
+            <a:endParaRPr lang="en-US" sz="2800" kern="1200" dirty="0" smtClean="0">
+              <a:solidFill>
+                <a:schemeClr val="tx1"/>
+              </a:solidFill>
+              <a:effectLst/>
+              <a:latin typeface="+mn-lt"/>
+              <a:ea typeface="+mn-ea"/>
+              <a:cs typeface="+mn-cs"/>
+            </a:endParaRPr>
+          </a:p>
+          <a:p>
+            <a:pPr marL="342900" marR="0" indent="-342900" algn="l" defTabSz="457200" rtl="0" eaLnBrk="1" fontAlgn="auto" latinLnBrk="0" hangingPunct="1">
+              <a:lnSpc>
+                <a:spcPct val="100000"/>
+              </a:lnSpc>
+              <a:spcBef>
+                <a:spcPct val="20000"/>
+              </a:spcBef>
+              <a:spcAft>
+                <a:spcPts val="0"/>
+              </a:spcAft>
+              <a:buClrTx/>
+              <a:buSzTx/>
+              <a:buFont typeface="Arial"/>
+              <a:buChar char="•"/>
+              <a:tabLst/>
+              <a:defRPr/>
+            </a:pPr>
+            <a:r>
+              <a:rPr lang="en-US" sz="2800" dirty="0" smtClean="0"/>
+              <a:t>How to know the types:</a:t>
+            </a:r>
+          </a:p>
+          <a:p>
+            <a:pPr lvl="1" indent="-342900">
+              <a:buFont typeface="Arial"/>
+              <a:buChar char="•"/>
+              <a:defRPr/>
+            </a:pPr>
+            <a:r>
+              <a:rPr lang="en-US" dirty="0" smtClean="0"/>
+              <a:t>List of researched accounts known to be bots/legit</a:t>
+            </a:r>
+          </a:p>
+          <a:p>
+            <a:pPr lvl="1" indent="-342900">
+              <a:buFont typeface="Arial"/>
+              <a:buChar char="•"/>
+              <a:defRPr/>
+            </a:pPr>
+            <a:r>
+              <a:rPr lang="en-US" sz="2800" kern="1200" dirty="0" smtClean="0">
+                <a:solidFill>
+                  <a:schemeClr val="tx1"/>
+                </a:solidFill>
+                <a:effectLst/>
+                <a:latin typeface="+mn-lt"/>
+                <a:ea typeface="+mn-ea"/>
+                <a:cs typeface="+mn-cs"/>
+              </a:rPr>
+              <a:t>See: Ferrara </a:t>
+            </a:r>
+            <a:r>
+              <a:rPr lang="en-US" sz="2800" kern="1200" dirty="0" err="1" smtClean="0">
+                <a:solidFill>
+                  <a:schemeClr val="tx1"/>
+                </a:solidFill>
+                <a:effectLst/>
+                <a:latin typeface="+mn-lt"/>
+                <a:ea typeface="+mn-ea"/>
+                <a:cs typeface="+mn-cs"/>
+              </a:rPr>
+              <a:t>et.al</a:t>
+            </a:r>
+            <a:r>
+              <a:rPr lang="en-US" dirty="0" smtClean="0"/>
+              <a:t>. 2014, Lee </a:t>
+            </a:r>
+            <a:r>
+              <a:rPr lang="en-US" dirty="0" err="1" smtClean="0"/>
+              <a:t>et.al</a:t>
+            </a:r>
+            <a:r>
+              <a:rPr lang="en-US" dirty="0" smtClean="0"/>
+              <a:t>. 2011</a:t>
+            </a:r>
+            <a:endParaRPr lang="en-US" sz="2800" kern="1200" dirty="0" smtClean="0">
+              <a:solidFill>
+                <a:schemeClr val="tx1"/>
+              </a:solidFill>
+              <a:effectLst/>
+              <a:latin typeface="+mn-lt"/>
+              <a:ea typeface="+mn-ea"/>
+              <a:cs typeface="+mn-cs"/>
+            </a:endParaRPr>
+          </a:p>
+        </p:txBody>
+      </p:sp>
+    </p:spTree>
+    <p:extLst>
+      <p:ext uri="{BB962C8B-B14F-4D97-AF65-F5344CB8AC3E}">
+        <p14:creationId xmlns:p14="http://schemas.microsoft.com/office/powerpoint/2010/main" val="2636681747"/>
+      </p:ext>
+    </p:extLst>
+  </p:cSld>
+  <p:clrMapOvr>
+    <a:masterClrMapping/>
+  </p:clrMapOvr>
+  <p:timing>
+    <p:tnLst>
+      <p:par>
+        <p:cTn xmlns:p14="http://schemas.microsoft.com/office/powerpoint/2010/main" id="1" dur="indefinite" restart="never" nodeType="tmRoot"/>
+      </p:par>
+    </p:tnLst>
+  </p:timing>
+</p:sld>
+</file>
+
+<file path=ppt/slides/slide9.xml><?xml version="1.0" encoding="utf-8"?>
+<p:sld xmlns:a="http://schemas.openxmlformats.org/drawingml/2006/main" xmlns:r="http://schemas.openxmlformats.org/officeDocument/2006/relationships" xmlns:p="http://schemas.openxmlformats.org/presentationml/2006/main">
+  <p:cSld>
+    <p:spTree>
+      <p:nvGrpSpPr>
+        <p:cNvPr id="1" name=""/>
+        <p:cNvGrpSpPr/>
+        <p:nvPr/>
+      </p:nvGrpSpPr>
+      <p:grpSpPr>
+        <a:xfrm>
+          <a:off x="0" y="0"/>
+          <a:ext cx="0" cy="0"/>
+          <a:chOff x="0" y="0"/>
+          <a:chExt cx="0" cy="0"/>
+        </a:xfrm>
+      </p:grpSpPr>
+      <p:sp>
+        <p:nvSpPr>
+          <p:cNvPr id="2" name="Title 1"/>
+          <p:cNvSpPr>
+            <a:spLocks noGrp="1"/>
+          </p:cNvSpPr>
+          <p:nvPr>
+            <p:ph type="title"/>
+          </p:nvPr>
+        </p:nvSpPr>
+        <p:spPr/>
+        <p:txBody>
+          <a:bodyPr>
+            <a:normAutofit/>
+          </a:bodyPr>
+          <a:lstStyle/>
+          <a:p>
+            <a:r>
+              <a:rPr lang="en-US" dirty="0" smtClean="0"/>
+              <a:t>Related Work</a:t>
+            </a:r>
+            <a:endParaRPr lang="en-US" dirty="0"/>
+          </a:p>
+        </p:txBody>
+      </p:sp>
+      <p:sp>
+        <p:nvSpPr>
+          <p:cNvPr id="3" name="Content Placeholder 2"/>
+          <p:cNvSpPr>
+            <a:spLocks noGrp="1"/>
+          </p:cNvSpPr>
+          <p:nvPr>
+            <p:ph idx="1"/>
+          </p:nvPr>
+        </p:nvSpPr>
+        <p:spPr/>
+        <p:txBody>
+          <a:bodyPr/>
+          <a:lstStyle/>
+          <a:p>
+            <a:pPr marL="342900" marR="0" indent="-342900" algn="l" defTabSz="457200" rtl="0" eaLnBrk="1" fontAlgn="auto" latinLnBrk="0" hangingPunct="1">
+              <a:lnSpc>
+                <a:spcPct val="100000"/>
+              </a:lnSpc>
+              <a:spcBef>
+                <a:spcPct val="20000"/>
+              </a:spcBef>
+              <a:spcAft>
+                <a:spcPts val="0"/>
+              </a:spcAft>
+              <a:buClrTx/>
+              <a:buSzTx/>
+              <a:buFont typeface="Arial"/>
+              <a:buChar char="•"/>
+              <a:tabLst/>
+              <a:defRPr/>
+            </a:pPr>
+            <a:r>
+              <a:rPr lang="en-US" sz="3200" kern="1200" dirty="0" smtClean="0">
+                <a:solidFill>
+                  <a:schemeClr val="tx1"/>
+                </a:solidFill>
+                <a:effectLst/>
+                <a:latin typeface="+mn-lt"/>
+                <a:ea typeface="+mn-ea"/>
+                <a:cs typeface="+mn-cs"/>
+              </a:rPr>
+              <a:t>Description of how your project is similar to and different from related work</a:t>
+            </a:r>
+            <a:endParaRPr lang="en-US" dirty="0" smtClean="0">
+              <a:effectLst/>
+            </a:endParaRPr>
+          </a:p>
+        </p:txBody>
+      </p:sp>
+    </p:spTree>
+    <p:extLst>
+      <p:ext uri="{BB962C8B-B14F-4D97-AF65-F5344CB8AC3E}">
+        <p14:creationId xmlns:p14="http://schemas.microsoft.com/office/powerpoint/2010/main" val="2026480241"/>
       </p:ext>
     </p:extLst>
   </p:cSld>
@@ -4022,4 +6675,324 @@
   </a:objectDefaults>
   <a:extraClrSchemeLst/>
 </a:theme>
+</file>
+
+<file path=ppt/theme/theme2.xml><?xml version="1.0" encoding="utf-8"?>
+<a:theme xmlns:a="http://schemas.openxmlformats.org/drawingml/2006/main" name="Office Theme">
+  <a:themeElements>
+    <a:clrScheme name="Office">
+      <a:dk1>
+        <a:sysClr val="windowText" lastClr="000000"/>
+      </a:dk1>
+      <a:lt1>
+        <a:sysClr val="window" lastClr="FFFFFF"/>
+      </a:lt1>
+      <a:dk2>
+        <a:srgbClr val="1F497D"/>
+      </a:dk2>
+      <a:lt2>
+        <a:srgbClr val="EEECE1"/>
+      </a:lt2>
+      <a:accent1>
+        <a:srgbClr val="4F81BD"/>
+      </a:accent1>
+      <a:accent2>
+        <a:srgbClr val="C0504D"/>
+      </a:accent2>
+      <a:accent3>
+        <a:srgbClr val="9BBB59"/>
+      </a:accent3>
+      <a:accent4>
+        <a:srgbClr val="8064A2"/>
+      </a:accent4>
+      <a:accent5>
+        <a:srgbClr val="4BACC6"/>
+      </a:accent5>
+      <a:accent6>
+        <a:srgbClr val="F79646"/>
+      </a:accent6>
+      <a:hlink>
+        <a:srgbClr val="0000FF"/>
+      </a:hlink>
+      <a:folHlink>
+        <a:srgbClr val="800080"/>
+      </a:folHlink>
+    </a:clrScheme>
+    <a:fontScheme name="Office">
+      <a:majorFont>
+        <a:latin typeface="Calibri"/>
+        <a:ea typeface=""/>
+        <a:cs typeface=""/>
+        <a:font script="Jpan" typeface="ＭＳ Ｐゴシック"/>
+        <a:font script="Hang" typeface="맑은 고딕"/>
+        <a:font script="Hans" typeface="宋体"/>
+        <a:font script="Hant" typeface="新細明體"/>
+        <a:font script="Arab" typeface="Times New Roman"/>
+        <a:font script="Hebr" typeface="Times New Roman"/>
+        <a:font script="Thai" typeface="Angsana New"/>
+        <a:font script="Ethi" typeface="Nyala"/>
+        <a:font script="Beng" typeface="Vrinda"/>
+        <a:font script="Gujr" typeface="Shruti"/>
+        <a:font script="Khmr" typeface="MoolBoran"/>
+        <a:font script="Knda" typeface="Tunga"/>
+        <a:font script="Guru" typeface="Raavi"/>
+        <a:font script="Cans" typeface="Euphemia"/>
+        <a:font script="Cher" typeface="Plantagenet Cherokee"/>
+        <a:font script="Yiii" typeface="Microsoft Yi Baiti"/>
+        <a:font script="Tibt" typeface="Microsoft Himalaya"/>
+        <a:font script="Thaa" typeface="MV Boli"/>
+        <a:font script="Deva" typeface="Mangal"/>
+        <a:font script="Telu" typeface="Gautami"/>
+        <a:font script="Taml" typeface="Latha"/>
+        <a:font script="Syrc" typeface="Estrangelo Edessa"/>
+        <a:font script="Orya" typeface="Kalinga"/>
+        <a:font script="Mlym" typeface="Kartika"/>
+        <a:font script="Laoo" typeface="DokChampa"/>
+        <a:font script="Sinh" typeface="Iskoola Pota"/>
+        <a:font script="Mong" typeface="Mongolian Baiti"/>
+        <a:font script="Viet" typeface="Times New Roman"/>
+        <a:font script="Uigh" typeface="Microsoft Uighur"/>
+        <a:font script="Geor" typeface="Sylfaen"/>
+      </a:majorFont>
+      <a:minorFont>
+        <a:latin typeface="Calibri"/>
+        <a:ea typeface=""/>
+        <a:cs typeface=""/>
+        <a:font script="Jpan" typeface="ＭＳ Ｐゴシック"/>
+        <a:font script="Hang" typeface="맑은 고딕"/>
+        <a:font script="Hans" typeface="宋体"/>
+        <a:font script="Hant" typeface="新細明體"/>
+        <a:font script="Arab" typeface="Arial"/>
+        <a:font script="Hebr" typeface="Arial"/>
+        <a:font script="Thai" typeface="Cordia New"/>
+        <a:font script="Ethi" typeface="Nyala"/>
+        <a:font script="Beng" typeface="Vrinda"/>
+        <a:font script="Gujr" typeface="Shruti"/>
+        <a:font script="Khmr" typeface="DaunPenh"/>
+        <a:font script="Knda" typeface="Tunga"/>
+        <a:font script="Guru" typeface="Raavi"/>
+        <a:font script="Cans" typeface="Euphemia"/>
+        <a:font script="Cher" typeface="Plantagenet Cherokee"/>
+        <a:font script="Yiii" typeface="Microsoft Yi Baiti"/>
+        <a:font script="Tibt" typeface="Microsoft Himalaya"/>
+        <a:font script="Thaa" typeface="MV Boli"/>
+        <a:font script="Deva" typeface="Mangal"/>
+        <a:font script="Telu" typeface="Gautami"/>
+        <a:font script="Taml" typeface="Latha"/>
+        <a:font script="Syrc" typeface="Estrangelo Edessa"/>
+        <a:font script="Orya" typeface="Kalinga"/>
+        <a:font script="Mlym" typeface="Kartika"/>
+        <a:font script="Laoo" typeface="DokChampa"/>
+        <a:font script="Sinh" typeface="Iskoola Pota"/>
+        <a:font script="Mong" typeface="Mongolian Baiti"/>
+        <a:font script="Viet" typeface="Arial"/>
+        <a:font script="Uigh" typeface="Microsoft Uighur"/>
+        <a:font script="Geor" typeface="Sylfaen"/>
+      </a:minorFont>
+    </a:fontScheme>
+    <a:fmtScheme name="Office">
+      <a:fillStyleLst>
+        <a:solidFill>
+          <a:schemeClr val="phClr"/>
+        </a:solidFill>
+        <a:gradFill rotWithShape="1">
+          <a:gsLst>
+            <a:gs pos="0">
+              <a:schemeClr val="phClr">
+                <a:tint val="50000"/>
+                <a:satMod val="300000"/>
+              </a:schemeClr>
+            </a:gs>
+            <a:gs pos="35000">
+              <a:schemeClr val="phClr">
+                <a:tint val="37000"/>
+                <a:satMod val="300000"/>
+              </a:schemeClr>
+            </a:gs>
+            <a:gs pos="100000">
+              <a:schemeClr val="phClr">
+                <a:tint val="15000"/>
+                <a:satMod val="350000"/>
+              </a:schemeClr>
+            </a:gs>
+          </a:gsLst>
+          <a:lin ang="16200000" scaled="1"/>
+        </a:gradFill>
+        <a:gradFill rotWithShape="1">
+          <a:gsLst>
+            <a:gs pos="0">
+              <a:schemeClr val="phClr">
+                <a:tint val="100000"/>
+                <a:shade val="100000"/>
+                <a:satMod val="130000"/>
+              </a:schemeClr>
+            </a:gs>
+            <a:gs pos="100000">
+              <a:schemeClr val="phClr">
+                <a:tint val="50000"/>
+                <a:shade val="100000"/>
+                <a:satMod val="350000"/>
+              </a:schemeClr>
+            </a:gs>
+          </a:gsLst>
+          <a:lin ang="16200000" scaled="0"/>
+        </a:gradFill>
+      </a:fillStyleLst>
+      <a:lnStyleLst>
+        <a:ln w="9525" cap="flat" cmpd="sng" algn="ctr">
+          <a:solidFill>
+            <a:schemeClr val="phClr">
+              <a:shade val="95000"/>
+              <a:satMod val="105000"/>
+            </a:schemeClr>
+          </a:solidFill>
+          <a:prstDash val="solid"/>
+        </a:ln>
+        <a:ln w="25400" cap="flat" cmpd="sng" algn="ctr">
+          <a:solidFill>
+            <a:schemeClr val="phClr"/>
+          </a:solidFill>
+          <a:prstDash val="solid"/>
+        </a:ln>
+        <a:ln w="38100" cap="flat" cmpd="sng" algn="ctr">
+          <a:solidFill>
+            <a:schemeClr val="phClr"/>
+          </a:solidFill>
+          <a:prstDash val="solid"/>
+        </a:ln>
+      </a:lnStyleLst>
+      <a:effectStyleLst>
+        <a:effectStyle>
+          <a:effectLst>
+            <a:outerShdw blurRad="40000" dist="20000" dir="5400000" rotWithShape="0">
+              <a:srgbClr val="000000">
+                <a:alpha val="38000"/>
+              </a:srgbClr>
+            </a:outerShdw>
+          </a:effectLst>
+        </a:effectStyle>
+        <a:effectStyle>
+          <a:effectLst>
+            <a:outerShdw blurRad="40000" dist="23000" dir="5400000" rotWithShape="0">
+              <a:srgbClr val="000000">
+                <a:alpha val="35000"/>
+              </a:srgbClr>
+            </a:outerShdw>
+          </a:effectLst>
+        </a:effectStyle>
+        <a:effectStyle>
+          <a:effectLst>
+            <a:outerShdw blurRad="40000" dist="23000" dir="5400000" rotWithShape="0">
+              <a:srgbClr val="000000">
+                <a:alpha val="35000"/>
+              </a:srgbClr>
+            </a:outerShdw>
+          </a:effectLst>
+          <a:scene3d>
+            <a:camera prst="orthographicFront">
+              <a:rot lat="0" lon="0" rev="0"/>
+            </a:camera>
+            <a:lightRig rig="threePt" dir="t">
+              <a:rot lat="0" lon="0" rev="1200000"/>
+            </a:lightRig>
+          </a:scene3d>
+          <a:sp3d>
+            <a:bevelT w="63500" h="25400"/>
+          </a:sp3d>
+        </a:effectStyle>
+      </a:effectStyleLst>
+      <a:bgFillStyleLst>
+        <a:solidFill>
+          <a:schemeClr val="phClr"/>
+        </a:solidFill>
+        <a:gradFill rotWithShape="1">
+          <a:gsLst>
+            <a:gs pos="0">
+              <a:schemeClr val="phClr">
+                <a:tint val="40000"/>
+                <a:satMod val="350000"/>
+              </a:schemeClr>
+            </a:gs>
+            <a:gs pos="40000">
+              <a:schemeClr val="phClr">
+                <a:tint val="45000"/>
+                <a:shade val="99000"/>
+                <a:satMod val="350000"/>
+              </a:schemeClr>
+            </a:gs>
+            <a:gs pos="100000">
+              <a:schemeClr val="phClr">
+                <a:shade val="20000"/>
+                <a:satMod val="255000"/>
+              </a:schemeClr>
+            </a:gs>
+          </a:gsLst>
+          <a:path path="circle">
+            <a:fillToRect l="50000" t="-80000" r="50000" b="180000"/>
+          </a:path>
+        </a:gradFill>
+        <a:gradFill rotWithShape="1">
+          <a:gsLst>
+            <a:gs pos="0">
+              <a:schemeClr val="phClr">
+                <a:tint val="80000"/>
+                <a:satMod val="300000"/>
+              </a:schemeClr>
+            </a:gs>
+            <a:gs pos="100000">
+              <a:schemeClr val="phClr">
+                <a:shade val="30000"/>
+                <a:satMod val="200000"/>
+              </a:schemeClr>
+            </a:gs>
+          </a:gsLst>
+          <a:path path="circle">
+            <a:fillToRect l="50000" t="50000" r="50000" b="50000"/>
+          </a:path>
+        </a:gradFill>
+      </a:bgFillStyleLst>
+    </a:fmtScheme>
+  </a:themeElements>
+  <a:objectDefaults>
+    <a:spDef>
+      <a:spPr/>
+      <a:bodyPr/>
+      <a:lstStyle/>
+      <a:style>
+        <a:lnRef idx="1">
+          <a:schemeClr val="accent1"/>
+        </a:lnRef>
+        <a:fillRef idx="3">
+          <a:schemeClr val="accent1"/>
+        </a:fillRef>
+        <a:effectRef idx="2">
+          <a:schemeClr val="accent1"/>
+        </a:effectRef>
+        <a:fontRef idx="minor">
+          <a:schemeClr val="lt1"/>
+        </a:fontRef>
+      </a:style>
+    </a:spDef>
+    <a:lnDef>
+      <a:spPr/>
+      <a:bodyPr/>
+      <a:lstStyle/>
+      <a:style>
+        <a:lnRef idx="2">
+          <a:schemeClr val="accent1"/>
+        </a:lnRef>
+        <a:fillRef idx="0">
+          <a:schemeClr val="accent1"/>
+        </a:fillRef>
+        <a:effectRef idx="1">
+          <a:schemeClr val="accent1"/>
+        </a:effectRef>
+        <a:fontRef idx="minor">
+          <a:schemeClr val="tx1"/>
+        </a:fontRef>
+      </a:style>
+    </a:lnDef>
+  </a:objectDefaults>
+  <a:extraClrSchemeLst/>
+</a:theme>
 </file>
--- a/presentations/proposal.pptx
+++ b/presentations/proposal.pptx
@@ -10,9 +10,9 @@
   <p:sldIdLst>
     <p:sldId id="256" r:id="rId2"/>
     <p:sldId id="257" r:id="rId3"/>
-    <p:sldId id="266" r:id="rId4"/>
-    <p:sldId id="259" r:id="rId5"/>
-    <p:sldId id="267" r:id="rId6"/>
+    <p:sldId id="267" r:id="rId4"/>
+    <p:sldId id="266" r:id="rId5"/>
+    <p:sldId id="259" r:id="rId6"/>
     <p:sldId id="268" r:id="rId7"/>
     <p:sldId id="264" r:id="rId8"/>
     <p:sldId id="261" r:id="rId9"/>
@@ -516,12 +516,25 @@
           <a:p>
             <a:r>
               <a:rPr lang="en-US" dirty="0" smtClean="0"/>
+              <a:t>Twitter: as many as 23 millions accounts (8.3%)  have</a:t>
+            </a:r>
+            <a:r>
+              <a:rPr lang="en-US" baseline="0" dirty="0" smtClean="0"/>
+              <a:t> automated content our of 271 mill user</a:t>
+            </a:r>
+          </a:p>
+          <a:p>
+            <a:r>
+              <a:rPr lang="en-US" baseline="0" dirty="0" smtClean="0"/>
+              <a:t>According to twitter &lt; 5% MAU are spam</a:t>
+            </a:r>
+            <a:endParaRPr lang="en-US" dirty="0" smtClean="0"/>
+          </a:p>
+          <a:p>
+            <a:r>
+              <a:rPr lang="en-US" dirty="0" smtClean="0"/>
               <a:t>Automatic content generation for online social media:</a:t>
             </a:r>
-          </a:p>
-          <a:p>
-            <a:pPr lvl="1"/>
-            <a:endParaRPr lang="en-US" dirty="0" smtClean="0"/>
           </a:p>
           <a:p>
             <a:pPr lvl="1"/>
@@ -561,6 +574,17 @@
               <a:rPr lang="en-US" dirty="0" smtClean="0"/>
               <a:t>Misinformation</a:t>
             </a:r>
+          </a:p>
+          <a:p>
+            <a:r>
+              <a:rPr lang="en-US" dirty="0" smtClean="0"/>
+              <a:t>There are several</a:t>
+            </a:r>
+            <a:r>
+              <a:rPr lang="en-US" baseline="0" dirty="0" smtClean="0"/>
+              <a:t> proposed methods that use machine learning</a:t>
+            </a:r>
+            <a:endParaRPr lang="en-US" dirty="0" smtClean="0"/>
           </a:p>
           <a:p>
             <a:pPr lvl="1"/>
@@ -650,67 +674,12 @@
           <a:p>
             <a:r>
               <a:rPr lang="en-US" dirty="0" smtClean="0"/>
-              <a:t>Twitter: as many as 23 millions accounts (8.3%)  have</a:t>
+              <a:t>The resulting classifier obtained 98.42% accuracy but gathering</a:t>
             </a:r>
             <a:r>
               <a:rPr lang="en-US" baseline="0" dirty="0" smtClean="0"/>
-              <a:t> automated content our of 271 mill user</a:t>
-            </a:r>
-          </a:p>
-          <a:p>
-            <a:r>
-              <a:rPr lang="en-US" baseline="0" dirty="0" smtClean="0"/>
-              <a:t>According to twitter &lt; 5% MAU are spam</a:t>
-            </a:r>
-            <a:endParaRPr lang="en-US" dirty="0" smtClean="0"/>
-          </a:p>
-          <a:p>
-            <a:r>
-              <a:rPr lang="en-US" dirty="0" smtClean="0"/>
-              <a:t>Automatic content generation for online social media:</a:t>
-            </a:r>
-          </a:p>
-          <a:p>
-            <a:pPr lvl="1"/>
-            <a:r>
-              <a:rPr lang="en-US" dirty="0" smtClean="0"/>
-              <a:t>Bot and </a:t>
-            </a:r>
-            <a:r>
-              <a:rPr lang="en-US" dirty="0" err="1" smtClean="0"/>
-              <a:t>astroturfing</a:t>
-            </a:r>
-            <a:endParaRPr lang="en-US" dirty="0" smtClean="0"/>
-          </a:p>
-          <a:p>
-            <a:pPr lvl="1"/>
-            <a:r>
-              <a:rPr lang="en-US" dirty="0" smtClean="0"/>
-              <a:t>Spam</a:t>
-            </a:r>
-          </a:p>
-          <a:p>
-            <a:pPr lvl="1"/>
-            <a:r>
-              <a:rPr lang="en-US" dirty="0" smtClean="0"/>
-              <a:t>Unwanted marketing</a:t>
-            </a:r>
-          </a:p>
-          <a:p>
-            <a:pPr lvl="1"/>
-            <a:r>
-              <a:rPr lang="en-US" dirty="0" smtClean="0"/>
-              <a:t>Account purchase</a:t>
-            </a:r>
-          </a:p>
-          <a:p>
-            <a:r>
-              <a:rPr lang="en-US" dirty="0" smtClean="0"/>
-              <a:t>Misinformation</a:t>
-            </a:r>
-          </a:p>
-          <a:p>
-            <a:pPr lvl="1"/>
+              <a:t> the data took 7 months</a:t>
+            </a:r>
             <a:endParaRPr lang="en-US" dirty="0"/>
           </a:p>
         </p:txBody>
@@ -741,7 +710,7 @@
     </p:spTree>
     <p:extLst>
       <p:ext uri="{BB962C8B-B14F-4D97-AF65-F5344CB8AC3E}">
-        <p14:creationId xmlns:p14="http://schemas.microsoft.com/office/powerpoint/2010/main" val="2662010004"/>
+        <p14:creationId xmlns:p14="http://schemas.microsoft.com/office/powerpoint/2010/main" val="1450822521"/>
       </p:ext>
     </p:extLst>
   </p:cSld>
@@ -797,12 +766,67 @@
           <a:p>
             <a:r>
               <a:rPr lang="en-US" dirty="0" smtClean="0"/>
-              <a:t>The resulting classifier obtained 98.42% accuracy but gathering</a:t>
+              <a:t>Twitter: as many as 23 millions accounts (8.3%)  have</a:t>
             </a:r>
             <a:r>
               <a:rPr lang="en-US" baseline="0" dirty="0" smtClean="0"/>
-              <a:t> the data took 7 months</a:t>
-            </a:r>
+              <a:t> automated content our of 271 mill user</a:t>
+            </a:r>
+          </a:p>
+          <a:p>
+            <a:r>
+              <a:rPr lang="en-US" baseline="0" dirty="0" smtClean="0"/>
+              <a:t>According to twitter &lt; 5% MAU are spam</a:t>
+            </a:r>
+            <a:endParaRPr lang="en-US" dirty="0" smtClean="0"/>
+          </a:p>
+          <a:p>
+            <a:r>
+              <a:rPr lang="en-US" dirty="0" smtClean="0"/>
+              <a:t>Automatic content generation for online social media:</a:t>
+            </a:r>
+          </a:p>
+          <a:p>
+            <a:pPr lvl="1"/>
+            <a:r>
+              <a:rPr lang="en-US" dirty="0" smtClean="0"/>
+              <a:t>Bot and </a:t>
+            </a:r>
+            <a:r>
+              <a:rPr lang="en-US" dirty="0" err="1" smtClean="0"/>
+              <a:t>astroturfing</a:t>
+            </a:r>
+            <a:endParaRPr lang="en-US" dirty="0" smtClean="0"/>
+          </a:p>
+          <a:p>
+            <a:pPr lvl="1"/>
+            <a:r>
+              <a:rPr lang="en-US" dirty="0" smtClean="0"/>
+              <a:t>Spam</a:t>
+            </a:r>
+          </a:p>
+          <a:p>
+            <a:pPr lvl="1"/>
+            <a:r>
+              <a:rPr lang="en-US" dirty="0" smtClean="0"/>
+              <a:t>Unwanted marketing</a:t>
+            </a:r>
+          </a:p>
+          <a:p>
+            <a:pPr lvl="1"/>
+            <a:r>
+              <a:rPr lang="en-US" dirty="0" smtClean="0"/>
+              <a:t>Account purchase</a:t>
+            </a:r>
+          </a:p>
+          <a:p>
+            <a:r>
+              <a:rPr lang="en-US" dirty="0" smtClean="0"/>
+              <a:t>Misinformation</a:t>
+            </a:r>
+          </a:p>
+          <a:p>
+            <a:pPr lvl="1"/>
             <a:endParaRPr lang="en-US" dirty="0"/>
           </a:p>
         </p:txBody>
@@ -824,7 +848,7 @@
           <a:p>
             <a:fld id="{1816B7AE-A9D1-4F45-AA7C-31B94AAFC4DD}" type="slidenum">
               <a:rPr lang="en-US" smtClean="0"/>
-              <a:t>5</a:t>
+              <a:t>4</a:t>
             </a:fld>
             <a:endParaRPr lang="en-US"/>
           </a:p>
@@ -833,7 +857,7 @@
     </p:spTree>
     <p:extLst>
       <p:ext uri="{BB962C8B-B14F-4D97-AF65-F5344CB8AC3E}">
-        <p14:creationId xmlns:p14="http://schemas.microsoft.com/office/powerpoint/2010/main" val="1450822521"/>
+        <p14:creationId xmlns:p14="http://schemas.microsoft.com/office/powerpoint/2010/main" val="2662010004"/>
       </p:ext>
     </p:extLst>
   </p:cSld>
@@ -3958,17 +3982,23 @@
                 <a:ea typeface="+mj-ea"/>
                 <a:cs typeface="+mj-cs"/>
               </a:rPr>
-              <a:t>Collect data</a:t>
-            </a:r>
-          </a:p>
-          <a:p>
+              <a:t>Collect data (1 </a:t>
+            </a:r>
+            <a:r>
+              <a:rPr lang="en-US" sz="4400" dirty="0" err="1" smtClean="0">
+                <a:latin typeface="+mj-lt"/>
+                <a:ea typeface="+mj-ea"/>
+                <a:cs typeface="+mj-cs"/>
+              </a:rPr>
+              <a:t>wk</a:t>
+            </a:r>
             <a:r>
               <a:rPr lang="en-US" sz="4400" dirty="0" smtClean="0">
                 <a:latin typeface="+mj-lt"/>
                 <a:ea typeface="+mj-ea"/>
                 <a:cs typeface="+mj-cs"/>
               </a:rPr>
-              <a:t>Preprocess data</a:t>
+              <a:t>)</a:t>
             </a:r>
           </a:p>
           <a:p>
@@ -3978,7 +4008,19 @@
                 <a:ea typeface="+mj-ea"/>
                 <a:cs typeface="+mj-cs"/>
               </a:rPr>
-              <a:t>Label data</a:t>
+              <a:t>Preprocess data </a:t>
+            </a:r>
+            <a:r>
+              <a:rPr lang="en-US" sz="4400" dirty="0"/>
+              <a:t>(1 </a:t>
+            </a:r>
+            <a:r>
+              <a:rPr lang="en-US" sz="4400" dirty="0" err="1"/>
+              <a:t>wk</a:t>
+            </a:r>
+            <a:r>
+              <a:rPr lang="en-US" sz="4400" dirty="0" smtClean="0"/>
+              <a:t>)</a:t>
             </a:r>
           </a:p>
           <a:p>
@@ -3988,8 +4030,25 @@
                 <a:ea typeface="+mj-ea"/>
                 <a:cs typeface="+mj-cs"/>
               </a:rPr>
-              <a:t>Test and adjust method</a:t>
-            </a:r>
+              <a:t>Test and adjust method </a:t>
+            </a:r>
+            <a:r>
+              <a:rPr lang="en-US" sz="4400" dirty="0"/>
+              <a:t>(1 </a:t>
+            </a:r>
+            <a:r>
+              <a:rPr lang="en-US" sz="4400" dirty="0" err="1"/>
+              <a:t>wk</a:t>
+            </a:r>
+            <a:r>
+              <a:rPr lang="en-US" sz="4400" dirty="0"/>
+              <a:t>)</a:t>
+            </a:r>
+            <a:endParaRPr lang="en-US" sz="4400" dirty="0" smtClean="0">
+              <a:latin typeface="+mj-lt"/>
+              <a:ea typeface="+mj-ea"/>
+              <a:cs typeface="+mj-cs"/>
+            </a:endParaRPr>
           </a:p>
           <a:p>
             <a:r>
@@ -4001,7 +4060,23 @@
                 <a:ea typeface="+mj-ea"/>
                 <a:cs typeface="+mj-cs"/>
               </a:rPr>
-              <a:t>Report results</a:t>
+              <a:t>Report results </a:t>
+            </a:r>
+            <a:r>
+              <a:rPr lang="en-US" sz="4400" dirty="0" smtClean="0"/>
+              <a:t>(</a:t>
+            </a:r>
+            <a:r>
+              <a:rPr lang="en-US" sz="4400" dirty="0"/>
+              <a:t>1 </a:t>
+            </a:r>
+            <a:r>
+              <a:rPr lang="en-US" sz="4400" dirty="0" err="1"/>
+              <a:t>wk</a:t>
+            </a:r>
+            <a:r>
+              <a:rPr lang="en-US" sz="4400" dirty="0"/>
+              <a:t>)</a:t>
             </a:r>
             <a:endParaRPr lang="en-US" sz="4400" kern="1200" dirty="0" smtClean="0">
               <a:solidFill>
@@ -4666,6 +4741,179 @@
         </p:nvSpPr>
         <p:spPr/>
         <p:txBody>
+          <a:bodyPr/>
+          <a:lstStyle/>
+          <a:p>
+            <a:r>
+              <a:rPr lang="en-US" dirty="0" smtClean="0"/>
+              <a:t>The Problem</a:t>
+            </a:r>
+            <a:endParaRPr lang="en-US" dirty="0"/>
+          </a:p>
+        </p:txBody>
+      </p:sp>
+      <p:sp>
+        <p:nvSpPr>
+          <p:cNvPr id="4" name="Content Placeholder 3"/>
+          <p:cNvSpPr>
+            <a:spLocks noGrp="1"/>
+          </p:cNvSpPr>
+          <p:nvPr>
+            <p:ph sz="half" idx="1"/>
+          </p:nvPr>
+        </p:nvSpPr>
+        <p:spPr/>
+        <p:txBody>
+          <a:bodyPr/>
+          <a:lstStyle/>
+          <a:p>
+            <a:r>
+              <a:rPr lang="en-US" dirty="0" smtClean="0"/>
+              <a:t>Training model, update</a:t>
+            </a:r>
+          </a:p>
+          <a:p>
+            <a:r>
+              <a:rPr lang="en-US" dirty="0" smtClean="0"/>
+              <a:t>Ground truth </a:t>
+            </a:r>
+          </a:p>
+          <a:p>
+            <a:r>
+              <a:rPr lang="en-US" dirty="0" smtClean="0"/>
+              <a:t>Human annotators</a:t>
+            </a:r>
+          </a:p>
+          <a:p>
+            <a:r>
+              <a:rPr lang="en-US" dirty="0" smtClean="0"/>
+              <a:t>Example (from Lee,2011):</a:t>
+            </a:r>
+          </a:p>
+          <a:p>
+            <a:endParaRPr lang="en-US" dirty="0" smtClean="0"/>
+          </a:p>
+          <a:p>
+            <a:endParaRPr lang="en-US" dirty="0" smtClean="0"/>
+          </a:p>
+          <a:p>
+            <a:endParaRPr lang="en-US" dirty="0"/>
+          </a:p>
+        </p:txBody>
+      </p:sp>
+      <p:pic>
+        <p:nvPicPr>
+          <p:cNvPr id="8" name="Picture 7" descr="System Drive:Users:maru:Desktop:Screen Shot 2014-10-21 at 6.17.57 PM.png"/>
+          <p:cNvPicPr/>
+          <p:nvPr/>
+        </p:nvPicPr>
+        <p:blipFill>
+          <a:blip r:embed="rId3">
+            <a:extLst>
+              <a:ext uri="{28A0092B-C50C-407E-A947-70E740481C1C}">
+                <a14:useLocalDpi xmlns:a14="http://schemas.microsoft.com/office/drawing/2010/main" val="0"/>
+              </a:ext>
+            </a:extLst>
+          </a:blip>
+          <a:srcRect/>
+          <a:stretch>
+            <a:fillRect/>
+          </a:stretch>
+        </p:blipFill>
+        <p:spPr bwMode="auto">
+          <a:xfrm>
+            <a:off x="634590" y="4247572"/>
+            <a:ext cx="3495018" cy="1174875"/>
+          </a:xfrm>
+          <a:prstGeom prst="rect">
+            <a:avLst/>
+          </a:prstGeom>
+          <a:noFill/>
+          <a:ln>
+            <a:noFill/>
+          </a:ln>
+        </p:spPr>
+      </p:pic>
+      <p:pic>
+        <p:nvPicPr>
+          <p:cNvPr id="11" name="Content Placeholder 10" descr="lego-stormtrooper-deadlift.jpeg"/>
+          <p:cNvPicPr>
+            <a:picLocks noGrp="1" noChangeAspect="1"/>
+          </p:cNvPicPr>
+          <p:nvPr>
+            <p:ph sz="half" idx="2"/>
+          </p:nvPr>
+        </p:nvPicPr>
+        <p:blipFill rotWithShape="1">
+          <a:blip r:embed="rId4">
+            <a:extLst>
+              <a:ext uri="{28A0092B-C50C-407E-A947-70E740481C1C}">
+                <a14:useLocalDpi xmlns:a14="http://schemas.microsoft.com/office/drawing/2010/main" val="0"/>
+              </a:ext>
+            </a:extLst>
+          </a:blip>
+          <a:srcRect l="13550" r="14213"/>
+          <a:stretch/>
+        </p:blipFill>
+        <p:spPr>
+          <a:xfrm>
+            <a:off x="4495800" y="1789356"/>
+            <a:ext cx="4374052" cy="3633092"/>
+          </a:xfrm>
+          <a:prstGeom prst="rect">
+            <a:avLst/>
+          </a:prstGeom>
+        </p:spPr>
+      </p:pic>
+    </p:spTree>
+    <p:extLst>
+      <p:ext uri="{BB962C8B-B14F-4D97-AF65-F5344CB8AC3E}">
+        <p14:creationId xmlns:p14="http://schemas.microsoft.com/office/powerpoint/2010/main" val="2847644141"/>
+      </p:ext>
+    </p:extLst>
+  </p:cSld>
+  <p:clrMapOvr>
+    <a:masterClrMapping/>
+  </p:clrMapOvr>
+  <p:timing>
+    <p:tnLst>
+      <p:par>
+        <p:cTn xmlns:p14="http://schemas.microsoft.com/office/powerpoint/2010/main" id="1" dur="indefinite" restart="never" nodeType="tmRoot"/>
+      </p:par>
+    </p:tnLst>
+  </p:timing>
+</p:sld>
+</file>
+
+<file path=ppt/slides/slide4.xml><?xml version="1.0" encoding="utf-8"?>
+<p:sld xmlns:a="http://schemas.openxmlformats.org/drawingml/2006/main" xmlns:r="http://schemas.openxmlformats.org/officeDocument/2006/relationships" xmlns:p="http://schemas.openxmlformats.org/presentationml/2006/main" show="0">
+  <p:cSld>
+    <p:spTree>
+      <p:nvGrpSpPr>
+        <p:cNvPr id="1" name=""/>
+        <p:cNvGrpSpPr/>
+        <p:nvPr/>
+      </p:nvGrpSpPr>
+      <p:grpSpPr>
+        <a:xfrm>
+          <a:off x="0" y="0"/>
+          <a:ext cx="0" cy="0"/>
+          <a:chOff x="0" y="0"/>
+          <a:chExt cx="0" cy="0"/>
+        </a:xfrm>
+      </p:grpSpPr>
+      <p:sp>
+        <p:nvSpPr>
+          <p:cNvPr id="2" name="Title 1"/>
+          <p:cNvSpPr>
+            <a:spLocks noGrp="1"/>
+          </p:cNvSpPr>
+          <p:nvPr>
+            <p:ph type="title"/>
+          </p:nvPr>
+        </p:nvSpPr>
+        <p:spPr/>
+        <p:txBody>
           <a:bodyPr>
             <a:normAutofit/>
           </a:bodyPr>
@@ -4789,99 +5037,14 @@
   <p:clrMapOvr>
     <a:masterClrMapping/>
   </p:clrMapOvr>
-  <p:timing>
-    <p:tnLst>
-      <p:par>
-        <p:cTn xmlns:p14="http://schemas.microsoft.com/office/powerpoint/2010/main" id="1" dur="indefinite" restart="never" nodeType="tmRoot"/>
-      </p:par>
-    </p:tnLst>
-  </p:timing>
-</p:sld>
-</file>
-
-<file path=ppt/slides/slide4.xml><?xml version="1.0" encoding="utf-8"?>
-<p:sld xmlns:a="http://schemas.openxmlformats.org/drawingml/2006/main" xmlns:r="http://schemas.openxmlformats.org/officeDocument/2006/relationships" xmlns:p="http://schemas.openxmlformats.org/presentationml/2006/main">
-  <p:cSld>
-    <p:spTree>
-      <p:nvGrpSpPr>
-        <p:cNvPr id="1" name=""/>
-        <p:cNvGrpSpPr/>
-        <p:nvPr/>
-      </p:nvGrpSpPr>
-      <p:grpSpPr>
-        <a:xfrm>
-          <a:off x="0" y="0"/>
-          <a:ext cx="0" cy="0"/>
-          <a:chOff x="0" y="0"/>
-          <a:chExt cx="0" cy="0"/>
-        </a:xfrm>
-      </p:grpSpPr>
-      <p:sp>
-        <p:nvSpPr>
-          <p:cNvPr id="2" name="Title 1"/>
-          <p:cNvSpPr>
-            <a:spLocks noGrp="1"/>
-          </p:cNvSpPr>
-          <p:nvPr>
-            <p:ph type="title"/>
-          </p:nvPr>
-        </p:nvSpPr>
-        <p:spPr/>
-        <p:txBody>
-          <a:bodyPr>
-            <a:normAutofit/>
-          </a:bodyPr>
-          <a:lstStyle/>
-          <a:p>
-            <a:r>
-              <a:rPr lang="en-US" sz="4400" kern="1200" dirty="0" smtClean="0">
-                <a:solidFill>
-                  <a:schemeClr val="tx1"/>
-                </a:solidFill>
-                <a:latin typeface="+mj-lt"/>
-                <a:ea typeface="+mj-ea"/>
-                <a:cs typeface="+mj-cs"/>
-              </a:rPr>
-              <a:t>Hypothesis</a:t>
-            </a:r>
-          </a:p>
-        </p:txBody>
-      </p:sp>
-      <p:sp>
-        <p:nvSpPr>
-          <p:cNvPr id="3" name="Content Placeholder 2"/>
-          <p:cNvSpPr>
-            <a:spLocks noGrp="1"/>
-          </p:cNvSpPr>
-          <p:nvPr>
-            <p:ph idx="1"/>
-          </p:nvPr>
-        </p:nvSpPr>
-        <p:spPr/>
-        <p:txBody>
-          <a:bodyPr/>
-          <a:lstStyle/>
-          <a:p>
-            <a:endParaRPr lang="en-US" dirty="0" smtClean="0"/>
-          </a:p>
-          <a:p>
-            <a:r>
-              <a:rPr lang="en-US" dirty="0" smtClean="0"/>
-              <a:t>Identify twitter bot accounts using machine learning methods to efficiently </a:t>
-            </a:r>
-          </a:p>
-        </p:txBody>
-      </p:sp>
-    </p:spTree>
-    <p:extLst>
-      <p:ext uri="{BB962C8B-B14F-4D97-AF65-F5344CB8AC3E}">
-        <p14:creationId xmlns:p14="http://schemas.microsoft.com/office/powerpoint/2010/main" val="1892591398"/>
-      </p:ext>
-    </p:extLst>
-  </p:cSld>
-  <p:clrMapOvr>
-    <a:masterClrMapping/>
-  </p:clrMapOvr>
+  <mc:AlternateContent xmlns:mc="http://schemas.openxmlformats.org/markup-compatibility/2006">
+    <mc:Choice xmlns:p14="http://schemas.microsoft.com/office/powerpoint/2010/main" Requires="p14">
+      <p:transition spd="slow" p14:dur="2000"/>
+    </mc:Choice>
+    <mc:Fallback>
+      <p:transition xmlns:p14="http://schemas.microsoft.com/office/powerpoint/2010/main" spd="slow"/>
+    </mc:Fallback>
+  </mc:AlternateContent>
   <p:timing>
     <p:tnLst>
       <p:par>
@@ -4921,132 +5084,64 @@
         </p:nvSpPr>
         <p:spPr/>
         <p:txBody>
+          <a:bodyPr>
+            <a:normAutofit/>
+          </a:bodyPr>
+          <a:lstStyle/>
+          <a:p>
+            <a:r>
+              <a:rPr lang="en-US" sz="4400" kern="1200" dirty="0" smtClean="0">
+                <a:solidFill>
+                  <a:schemeClr val="tx1"/>
+                </a:solidFill>
+                <a:latin typeface="+mj-lt"/>
+                <a:ea typeface="+mj-ea"/>
+                <a:cs typeface="+mj-cs"/>
+              </a:rPr>
+              <a:t>Hypothesis</a:t>
+            </a:r>
+          </a:p>
+        </p:txBody>
+      </p:sp>
+      <p:sp>
+        <p:nvSpPr>
+          <p:cNvPr id="3" name="Content Placeholder 2"/>
+          <p:cNvSpPr>
+            <a:spLocks noGrp="1"/>
+          </p:cNvSpPr>
+          <p:nvPr>
+            <p:ph idx="1"/>
+          </p:nvPr>
+        </p:nvSpPr>
+        <p:spPr/>
+        <p:txBody>
           <a:bodyPr/>
           <a:lstStyle/>
           <a:p>
             <a:r>
               <a:rPr lang="en-US" dirty="0" smtClean="0"/>
-              <a:t>The Method: Considerations</a:t>
-            </a:r>
-            <a:endParaRPr lang="en-US" dirty="0"/>
-          </a:p>
-        </p:txBody>
-      </p:sp>
-      <p:sp>
-        <p:nvSpPr>
-          <p:cNvPr id="4" name="Content Placeholder 3"/>
-          <p:cNvSpPr>
-            <a:spLocks noGrp="1"/>
-          </p:cNvSpPr>
-          <p:nvPr>
-            <p:ph sz="half" idx="1"/>
-          </p:nvPr>
-        </p:nvSpPr>
-        <p:spPr/>
-        <p:txBody>
-          <a:bodyPr/>
-          <a:lstStyle/>
-          <a:p>
-            <a:r>
-              <a:rPr lang="en-US" dirty="0" smtClean="0"/>
-              <a:t>Training model, update</a:t>
-            </a:r>
-          </a:p>
-          <a:p>
-            <a:r>
-              <a:rPr lang="en-US" dirty="0" smtClean="0"/>
-              <a:t>Ground truth </a:t>
-            </a:r>
-          </a:p>
-          <a:p>
-            <a:r>
-              <a:rPr lang="en-US" dirty="0" smtClean="0"/>
-              <a:t>Human annotators</a:t>
-            </a:r>
-          </a:p>
-          <a:p>
-            <a:r>
-              <a:rPr lang="en-US" dirty="0" smtClean="0"/>
-              <a:t>Example (from Lee,2011):</a:t>
-            </a:r>
-          </a:p>
-          <a:p>
-            <a:endParaRPr lang="en-US" dirty="0" smtClean="0"/>
-          </a:p>
-          <a:p>
-            <a:endParaRPr lang="en-US" dirty="0" smtClean="0"/>
-          </a:p>
-          <a:p>
-            <a:endParaRPr lang="en-US" dirty="0"/>
-          </a:p>
-        </p:txBody>
-      </p:sp>
-      <p:pic>
-        <p:nvPicPr>
-          <p:cNvPr id="7" name="Content Placeholder 6" descr="4641828205_077506729b_z.jpg"/>
-          <p:cNvPicPr>
-            <a:picLocks noGrp="1" noChangeAspect="1"/>
-          </p:cNvPicPr>
-          <p:nvPr>
-            <p:ph sz="half" idx="2"/>
-          </p:nvPr>
-        </p:nvPicPr>
-        <p:blipFill rotWithShape="1">
-          <a:blip r:embed="rId3">
-            <a:extLst>
-              <a:ext uri="{28A0092B-C50C-407E-A947-70E740481C1C}">
-                <a14:useLocalDpi xmlns:a14="http://schemas.microsoft.com/office/drawing/2010/main" val="0"/>
-              </a:ext>
-            </a:extLst>
-          </a:blip>
-          <a:srcRect l="16807" t="-23005" r="8461" b="-12432"/>
-          <a:stretch/>
-        </p:blipFill>
-        <p:spPr/>
-      </p:pic>
-      <p:pic>
-        <p:nvPicPr>
-          <p:cNvPr id="8" name="Picture 7" descr="System Drive:Users:maru:Desktop:Screen Shot 2014-10-21 at 6.17.57 PM.png"/>
-          <p:cNvPicPr/>
-          <p:nvPr/>
-        </p:nvPicPr>
-        <p:blipFill>
-          <a:blip r:embed="rId4">
-            <a:extLst>
-              <a:ext uri="{28A0092B-C50C-407E-A947-70E740481C1C}">
-                <a14:useLocalDpi xmlns:a14="http://schemas.microsoft.com/office/drawing/2010/main" val="0"/>
-              </a:ext>
-            </a:extLst>
-          </a:blip>
-          <a:srcRect/>
-          <a:stretch>
-            <a:fillRect/>
-          </a:stretch>
-        </p:blipFill>
-        <p:spPr bwMode="auto">
-          <a:xfrm>
-            <a:off x="634590" y="4247572"/>
-            <a:ext cx="3495018" cy="1174875"/>
-          </a:xfrm>
-          <a:prstGeom prst="rect">
-            <a:avLst/>
-          </a:prstGeom>
-          <a:noFill/>
-          <a:ln>
-            <a:noFill/>
-          </a:ln>
-        </p:spPr>
-      </p:pic>
+              <a:t>Can we use active learning methods to learn an effective bot classifier? </a:t>
+            </a:r>
+          </a:p>
+        </p:txBody>
+      </p:sp>
     </p:spTree>
     <p:extLst>
       <p:ext uri="{BB962C8B-B14F-4D97-AF65-F5344CB8AC3E}">
-        <p14:creationId xmlns:p14="http://schemas.microsoft.com/office/powerpoint/2010/main" val="2847644141"/>
+        <p14:creationId xmlns:p14="http://schemas.microsoft.com/office/powerpoint/2010/main" val="1892591398"/>
       </p:ext>
     </p:extLst>
   </p:cSld>
   <p:clrMapOvr>
     <a:masterClrMapping/>
   </p:clrMapOvr>
+  <p:timing>
+    <p:tnLst>
+      <p:par>
+        <p:cTn xmlns:p14="http://schemas.microsoft.com/office/powerpoint/2010/main" id="1" dur="indefinite" restart="never" nodeType="tmRoot"/>
+      </p:par>
+    </p:tnLst>
+  </p:timing>
 </p:sld>
 </file>
 
@@ -6327,6 +6422,18 @@
               <a:defRPr/>
             </a:pPr>
             <a:r>
+              <a:rPr lang="en-US" sz="3200" kern="1200" dirty="0" err="1" smtClean="0">
+                <a:solidFill>
+                  <a:schemeClr val="tx1"/>
+                </a:solidFill>
+                <a:effectLst/>
+                <a:latin typeface="+mn-lt"/>
+                <a:ea typeface="+mn-ea"/>
+                <a:cs typeface="+mn-cs"/>
+              </a:rPr>
+              <a:t>Truthy</a:t>
+            </a:r>
+            <a:r>
               <a:rPr lang="en-US" sz="3200" kern="1200" dirty="0" smtClean="0">
                 <a:solidFill>
                   <a:schemeClr val="tx1"/>
@@ -6336,11 +6443,96 @@
                 <a:ea typeface="+mn-ea"/>
                 <a:cs typeface="+mn-cs"/>
               </a:rPr>
-              <a:t>Description of how your project is similar to and different from related work</a:t>
-            </a:r>
-            <a:endParaRPr lang="en-US" dirty="0" smtClean="0">
+              <a:t> and Bot-or-not</a:t>
+            </a:r>
+          </a:p>
+          <a:p>
+            <a:pPr lvl="1" indent="-342900">
+              <a:buFont typeface="Arial"/>
+              <a:buChar char="•"/>
+              <a:defRPr/>
+            </a:pPr>
+            <a:r>
+              <a:rPr lang="en-US" dirty="0" smtClean="0"/>
+              <a:t>Propose set of f</a:t>
+            </a:r>
+            <a:r>
+              <a:rPr lang="en-US" sz="2800" dirty="0" smtClean="0"/>
+              <a:t>eatures </a:t>
+            </a:r>
+            <a:endParaRPr lang="en-US" sz="2800" kern="1200" dirty="0" smtClean="0">
+              <a:solidFill>
+                <a:schemeClr val="tx1"/>
+              </a:solidFill>
               <a:effectLst/>
+              <a:latin typeface="+mn-lt"/>
+              <a:ea typeface="+mn-ea"/>
+              <a:cs typeface="+mn-cs"/>
             </a:endParaRPr>
+          </a:p>
+          <a:p>
+            <a:pPr lvl="1" indent="-342900">
+              <a:buFont typeface="Arial"/>
+              <a:buChar char="•"/>
+              <a:defRPr/>
+            </a:pPr>
+            <a:r>
+              <a:rPr lang="en-US" dirty="0" smtClean="0"/>
+              <a:t>Require a lot of data</a:t>
+            </a:r>
+          </a:p>
+          <a:p>
+            <a:pPr marL="342900" marR="0" indent="-342900" algn="l" defTabSz="457200" rtl="0" eaLnBrk="1" fontAlgn="auto" latinLnBrk="0" hangingPunct="1">
+              <a:lnSpc>
+                <a:spcPct val="100000"/>
+              </a:lnSpc>
+              <a:spcBef>
+                <a:spcPct val="20000"/>
+              </a:spcBef>
+              <a:spcAft>
+                <a:spcPts val="0"/>
+              </a:spcAft>
+              <a:buClrTx/>
+              <a:buSzTx/>
+              <a:buFont typeface="Arial"/>
+              <a:buChar char="•"/>
+              <a:tabLst/>
+              <a:defRPr/>
+            </a:pPr>
+            <a:r>
+              <a:rPr lang="en-US" dirty="0" smtClean="0"/>
+              <a:t>This approach:</a:t>
+            </a:r>
+          </a:p>
+          <a:p>
+            <a:pPr lvl="1" indent="-342900">
+              <a:buFont typeface="Arial"/>
+              <a:buChar char="•"/>
+              <a:defRPr/>
+            </a:pPr>
+            <a:r>
+              <a:rPr lang="en-US" dirty="0" smtClean="0"/>
+              <a:t>Active learning</a:t>
+            </a:r>
+            <a:r>
+              <a:rPr lang="en-US" dirty="0"/>
+              <a:t> </a:t>
+            </a:r>
+            <a:r>
+              <a:rPr lang="en-US" dirty="0" smtClean="0"/>
+              <a:t>with anytime capabilities</a:t>
+            </a:r>
+          </a:p>
+          <a:p>
+            <a:pPr lvl="1" indent="-342900">
+              <a:buFont typeface="Arial"/>
+              <a:buChar char="•"/>
+              <a:defRPr/>
+            </a:pPr>
+            <a:r>
+              <a:rPr lang="en-US" dirty="0" smtClean="0"/>
+              <a:t>Novel</a:t>
+            </a:r>
           </a:p>
         </p:txBody>
       </p:sp>
